--- a/docs/Präsentation.pptx
+++ b/docs/Präsentation.pptx
@@ -9,11 +9,12 @@
     <p:sldId id="257" r:id="rId3"/>
     <p:sldId id="258" r:id="rId4"/>
     <p:sldId id="259" r:id="rId5"/>
-    <p:sldId id="260" r:id="rId6"/>
-    <p:sldId id="261" r:id="rId7"/>
-    <p:sldId id="262" r:id="rId8"/>
-    <p:sldId id="263" r:id="rId9"/>
-    <p:sldId id="264" r:id="rId10"/>
+    <p:sldId id="265" r:id="rId6"/>
+    <p:sldId id="260" r:id="rId7"/>
+    <p:sldId id="261" r:id="rId8"/>
+    <p:sldId id="262" r:id="rId9"/>
+    <p:sldId id="263" r:id="rId10"/>
+    <p:sldId id="264" r:id="rId11"/>
   </p:sldIdLst>
   <p:sldSz cx="12192000" cy="6858000"/>
   <p:notesSz cx="6858000" cy="9144000"/>
@@ -112,6 +113,11 @@
       </a:defRPr>
     </a:lvl9pPr>
   </p:defaultTextStyle>
+  <p:extLst>
+    <p:ext uri="{EFAFB233-063F-42B5-8137-9DF3F51BA10A}">
+      <p15:sldGuideLst xmlns:p15="http://schemas.microsoft.com/office/powerpoint/2012/main"/>
+    </p:ext>
+  </p:extLst>
 </p:presentation>
 </file>
 
@@ -7042,11 +7048,11 @@
   <p:clrMapOvr>
     <a:masterClrMapping/>
   </p:clrMapOvr>
-  <mc:AlternateContent xmlns:mc="http://schemas.openxmlformats.org/markup-compatibility/2006">
-    <mc:Choice xmlns:p14="http://schemas.microsoft.com/office/powerpoint/2010/main" Requires="p14">
+  <mc:AlternateContent xmlns:mc="http://schemas.openxmlformats.org/markup-compatibility/2006" xmlns:p14="http://schemas.microsoft.com/office/powerpoint/2010/main">
+    <mc:Choice Requires="p14">
       <p:transition spd="slow" p14:dur="2000" advTm="2449"/>
     </mc:Choice>
-    <mc:Fallback>
+    <mc:Fallback xmlns="">
       <p:transition spd="slow" advTm="2449"/>
     </mc:Fallback>
   </mc:AlternateContent>
@@ -7379,6 +7385,708 @@
 </p:sld>
 </file>
 
+<file path=ppt/slides/slide10.xml><?xml version="1.0" encoding="utf-8"?>
+<p:sld xmlns:a="http://schemas.openxmlformats.org/drawingml/2006/main" xmlns:r="http://schemas.openxmlformats.org/officeDocument/2006/relationships" xmlns:p="http://schemas.openxmlformats.org/presentationml/2006/main">
+  <p:cSld>
+    <p:bg>
+      <p:bgPr>
+        <a:solidFill>
+          <a:schemeClr val="bg1"/>
+        </a:solidFill>
+        <a:effectLst/>
+      </p:bgPr>
+    </p:bg>
+    <p:spTree>
+      <p:nvGrpSpPr>
+        <p:cNvPr id="1" name=""/>
+        <p:cNvGrpSpPr/>
+        <p:nvPr/>
+      </p:nvGrpSpPr>
+      <p:grpSpPr>
+        <a:xfrm>
+          <a:off x="0" y="0"/>
+          <a:ext cx="0" cy="0"/>
+          <a:chOff x="0" y="0"/>
+          <a:chExt cx="0" cy="0"/>
+        </a:xfrm>
+      </p:grpSpPr>
+      <p:pic>
+        <p:nvPicPr>
+          <p:cNvPr id="8" name="Tierstimmen-Klingelton_  Schweine, Ferkel, Sau grunzen Sound für das Handy downloaden!.mp3">
+            <a:hlinkClick r:id="" action="ppaction://media"/>
+            <a:extLst>
+              <a:ext uri="{FF2B5EF4-FFF2-40B4-BE49-F238E27FC236}">
+                <a16:creationId xmlns:a16="http://schemas.microsoft.com/office/drawing/2014/main" id="{A41BDF81-B62D-7359-5575-2967182AD7D0}"/>
+              </a:ext>
+            </a:extLst>
+          </p:cNvPr>
+          <p:cNvPicPr>
+            <a:picLocks noChangeAspect="1"/>
+          </p:cNvPicPr>
+          <p:nvPr>
+            <a:audioFile r:link="rId1"/>
+            <p:extLst>
+              <p:ext uri="{DAA4B4D4-6D71-4841-9C94-3DE7FCFB9230}">
+                <p14:media xmlns:p14="http://schemas.microsoft.com/office/powerpoint/2010/main" r:embed="rId2">
+                  <p14:trim end="1070.4609"/>
+                </p14:media>
+              </p:ext>
+            </p:extLst>
+          </p:nvPr>
+        </p:nvPicPr>
+        <p:blipFill rotWithShape="1">
+          <a:blip r:embed="rId4"/>
+          <a:srcRect r="34713"/>
+          <a:stretch/>
+        </p:blipFill>
+        <p:spPr>
+          <a:xfrm>
+            <a:off x="2996320" y="2799654"/>
+            <a:ext cx="530651" cy="812800"/>
+          </a:xfrm>
+          <a:prstGeom prst="rect">
+            <a:avLst/>
+          </a:prstGeom>
+        </p:spPr>
+      </p:pic>
+      <p:sp useBgFill="1">
+        <p:nvSpPr>
+          <p:cNvPr id="57" name="Rectangle 56">
+            <a:extLst>
+              <a:ext uri="{FF2B5EF4-FFF2-40B4-BE49-F238E27FC236}">
+                <a16:creationId xmlns:a16="http://schemas.microsoft.com/office/drawing/2014/main" id="{9A724DBA-D2D9-471E-8ED7-2015DDD950DF}"/>
+              </a:ext>
+              <a:ext uri="{C183D7F6-B498-43B3-948B-1728B52AA6E4}">
+                <adec:decorative xmlns:adec="http://schemas.microsoft.com/office/drawing/2017/decorative" val="1"/>
+              </a:ext>
+            </a:extLst>
+          </p:cNvPr>
+          <p:cNvSpPr>
+            <a:spLocks noGrp="1" noRot="1" noChangeAspect="1" noMove="1" noResize="1" noEditPoints="1" noAdjustHandles="1" noChangeArrowheads="1" noChangeShapeType="1" noTextEdit="1"/>
+          </p:cNvSpPr>
+          <p:nvPr>
+            <p:extLst>
+              <p:ext uri="{386F3935-93C4-4BCD-93E2-E3B085C9AB24}">
+                <p16:designElem xmlns:p16="http://schemas.microsoft.com/office/powerpoint/2015/main" val="1"/>
+              </p:ext>
+            </p:extLst>
+          </p:nvPr>
+        </p:nvSpPr>
+        <p:spPr>
+          <a:xfrm>
+            <a:off x="0" y="0"/>
+            <a:ext cx="12191999" cy="6857365"/>
+          </a:xfrm>
+          <a:prstGeom prst="rect">
+            <a:avLst/>
+          </a:prstGeom>
+          <a:ln>
+            <a:noFill/>
+          </a:ln>
+        </p:spPr>
+        <p:style>
+          <a:lnRef idx="2">
+            <a:schemeClr val="accent1">
+              <a:shade val="50000"/>
+            </a:schemeClr>
+          </a:lnRef>
+          <a:fillRef idx="1">
+            <a:schemeClr val="accent1"/>
+          </a:fillRef>
+          <a:effectRef idx="0">
+            <a:schemeClr val="accent1"/>
+          </a:effectRef>
+          <a:fontRef idx="minor">
+            <a:schemeClr val="lt1"/>
+          </a:fontRef>
+        </p:style>
+        <p:txBody>
+          <a:bodyPr rtlCol="0" anchor="ctr"/>
+          <a:lstStyle/>
+          <a:p>
+            <a:pPr algn="ctr"/>
+            <a:endParaRPr lang="en-US"/>
+          </a:p>
+        </p:txBody>
+      </p:sp>
+      <p:sp>
+        <p:nvSpPr>
+          <p:cNvPr id="2" name="Titel 1">
+            <a:extLst>
+              <a:ext uri="{FF2B5EF4-FFF2-40B4-BE49-F238E27FC236}">
+                <a16:creationId xmlns:a16="http://schemas.microsoft.com/office/drawing/2014/main" id="{2D8E0609-9B71-9A0D-A8EC-1C31E2A7A058}"/>
+              </a:ext>
+            </a:extLst>
+          </p:cNvPr>
+          <p:cNvSpPr>
+            <a:spLocks noGrp="1"/>
+          </p:cNvSpPr>
+          <p:nvPr>
+            <p:ph type="title"/>
+          </p:nvPr>
+        </p:nvSpPr>
+        <p:spPr>
+          <a:xfrm>
+            <a:off x="7239014" y="525982"/>
+            <a:ext cx="4282983" cy="1200361"/>
+          </a:xfrm>
+        </p:spPr>
+        <p:txBody>
+          <a:bodyPr vert="horz" lIns="91440" tIns="45720" rIns="91440" bIns="45720" rtlCol="0" anchor="b">
+            <a:normAutofit/>
+          </a:bodyPr>
+          <a:lstStyle/>
+          <a:p>
+            <a:r>
+              <a:rPr lang="en-US" sz="3600" kern="1200">
+                <a:solidFill>
+                  <a:schemeClr val="tx1"/>
+                </a:solidFill>
+                <a:latin typeface="+mj-lt"/>
+                <a:ea typeface="+mj-ea"/>
+                <a:cs typeface="+mj-cs"/>
+              </a:rPr>
+              <a:t>Danke für Eure Aufmerksamkeit</a:t>
+            </a:r>
+          </a:p>
+        </p:txBody>
+      </p:sp>
+      <p:sp>
+        <p:nvSpPr>
+          <p:cNvPr id="59" name="Rectangle 58">
+            <a:extLst>
+              <a:ext uri="{FF2B5EF4-FFF2-40B4-BE49-F238E27FC236}">
+                <a16:creationId xmlns:a16="http://schemas.microsoft.com/office/drawing/2014/main" id="{08980754-6F4B-43C9-B9BE-127B6BED6586}"/>
+              </a:ext>
+              <a:ext uri="{C183D7F6-B498-43B3-948B-1728B52AA6E4}">
+                <adec:decorative xmlns:adec="http://schemas.microsoft.com/office/drawing/2017/decorative" val="1"/>
+              </a:ext>
+            </a:extLst>
+          </p:cNvPr>
+          <p:cNvSpPr>
+            <a:spLocks noGrp="1" noRot="1" noChangeAspect="1" noMove="1" noResize="1" noEditPoints="1" noAdjustHandles="1" noChangeArrowheads="1" noChangeShapeType="1" noTextEdit="1"/>
+          </p:cNvSpPr>
+          <p:nvPr>
+            <p:extLst>
+              <p:ext uri="{386F3935-93C4-4BCD-93E2-E3B085C9AB24}">
+                <p16:designElem xmlns:p16="http://schemas.microsoft.com/office/powerpoint/2015/main" val="1"/>
+              </p:ext>
+            </p:extLst>
+          </p:nvPr>
+        </p:nvSpPr>
+        <p:spPr>
+          <a:xfrm rot="5400000">
+            <a:off x="5546413" y="215201"/>
+            <a:ext cx="740664" cy="11833491"/>
+          </a:xfrm>
+          <a:prstGeom prst="rect">
+            <a:avLst/>
+          </a:prstGeom>
+          <a:solidFill>
+            <a:schemeClr val="accent4"/>
+          </a:solidFill>
+          <a:ln>
+            <a:noFill/>
+          </a:ln>
+        </p:spPr>
+        <p:style>
+          <a:lnRef idx="2">
+            <a:schemeClr val="accent1">
+              <a:shade val="50000"/>
+            </a:schemeClr>
+          </a:lnRef>
+          <a:fillRef idx="1">
+            <a:schemeClr val="accent1"/>
+          </a:fillRef>
+          <a:effectRef idx="0">
+            <a:schemeClr val="accent1"/>
+          </a:effectRef>
+          <a:fontRef idx="minor">
+            <a:schemeClr val="lt1"/>
+          </a:fontRef>
+        </p:style>
+        <p:txBody>
+          <a:bodyPr rtlCol="0" anchor="ctr"/>
+          <a:lstStyle/>
+          <a:p>
+            <a:pPr algn="ctr"/>
+            <a:endParaRPr lang="en-US"/>
+          </a:p>
+        </p:txBody>
+      </p:sp>
+      <p:sp>
+        <p:nvSpPr>
+          <p:cNvPr id="61" name="Rectangle 60">
+            <a:extLst>
+              <a:ext uri="{FF2B5EF4-FFF2-40B4-BE49-F238E27FC236}">
+                <a16:creationId xmlns:a16="http://schemas.microsoft.com/office/drawing/2014/main" id="{2C1BBA94-3F40-40AA-8BB9-E69E25E537C1}"/>
+              </a:ext>
+              <a:ext uri="{C183D7F6-B498-43B3-948B-1728B52AA6E4}">
+                <adec:decorative xmlns:adec="http://schemas.microsoft.com/office/drawing/2017/decorative" val="1"/>
+              </a:ext>
+            </a:extLst>
+          </p:cNvPr>
+          <p:cNvSpPr>
+            <a:spLocks noGrp="1" noRot="1" noChangeAspect="1" noMove="1" noResize="1" noEditPoints="1" noAdjustHandles="1" noChangeArrowheads="1" noChangeShapeType="1" noTextEdit="1"/>
+          </p:cNvSpPr>
+          <p:nvPr>
+            <p:extLst>
+              <p:ext uri="{386F3935-93C4-4BCD-93E2-E3B085C9AB24}">
+                <p16:designElem xmlns:p16="http://schemas.microsoft.com/office/powerpoint/2015/main" val="1"/>
+              </p:ext>
+            </p:extLst>
+          </p:nvPr>
+        </p:nvSpPr>
+        <p:spPr>
+          <a:xfrm>
+            <a:off x="310234" y="354959"/>
+            <a:ext cx="6184973" cy="5915212"/>
+          </a:xfrm>
+          <a:prstGeom prst="rect">
+            <a:avLst/>
+          </a:prstGeom>
+          <a:solidFill>
+            <a:schemeClr val="bg1"/>
+          </a:solidFill>
+          <a:ln>
+            <a:noFill/>
+          </a:ln>
+          <a:effectLst>
+            <a:outerShdw blurRad="139700" dist="127000" dir="5400000" algn="t" rotWithShape="0">
+              <a:prstClr val="black">
+                <a:alpha val="15000"/>
+              </a:prstClr>
+            </a:outerShdw>
+          </a:effectLst>
+        </p:spPr>
+        <p:style>
+          <a:lnRef idx="2">
+            <a:schemeClr val="accent1">
+              <a:shade val="50000"/>
+            </a:schemeClr>
+          </a:lnRef>
+          <a:fillRef idx="1">
+            <a:schemeClr val="accent1"/>
+          </a:fillRef>
+          <a:effectRef idx="0">
+            <a:schemeClr val="accent1"/>
+          </a:effectRef>
+          <a:fontRef idx="minor">
+            <a:schemeClr val="lt1"/>
+          </a:fontRef>
+        </p:style>
+        <p:txBody>
+          <a:bodyPr rtlCol="0" anchor="ctr"/>
+          <a:lstStyle/>
+          <a:p>
+            <a:pPr algn="ctr"/>
+            <a:endParaRPr lang="en-US"/>
+          </a:p>
+        </p:txBody>
+      </p:sp>
+      <p:pic>
+        <p:nvPicPr>
+          <p:cNvPr id="6" name="Grafik 5">
+            <a:extLst>
+              <a:ext uri="{FF2B5EF4-FFF2-40B4-BE49-F238E27FC236}">
+                <a16:creationId xmlns:a16="http://schemas.microsoft.com/office/drawing/2014/main" id="{694DB2A7-B3AA-AD14-61F8-9A6FA294F0E0}"/>
+              </a:ext>
+            </a:extLst>
+          </p:cNvPr>
+          <p:cNvPicPr>
+            <a:picLocks noChangeAspect="1"/>
+          </p:cNvPicPr>
+          <p:nvPr/>
+        </p:nvPicPr>
+        <p:blipFill>
+          <a:blip r:embed="rId5">
+            <a:extLst>
+              <a:ext uri="{96DAC541-7B7A-43D3-8B79-37D633B846F1}">
+                <asvg:svgBlip xmlns:asvg="http://schemas.microsoft.com/office/drawing/2016/SVG/main" r:embed="rId6"/>
+              </a:ext>
+            </a:extLst>
+          </a:blip>
+          <a:stretch>
+            <a:fillRect/>
+          </a:stretch>
+        </p:blipFill>
+        <p:spPr>
+          <a:xfrm>
+            <a:off x="670003" y="650494"/>
+            <a:ext cx="5324142" cy="5324142"/>
+          </a:xfrm>
+          <a:prstGeom prst="rect">
+            <a:avLst/>
+          </a:prstGeom>
+        </p:spPr>
+      </p:pic>
+      <p:sp>
+        <p:nvSpPr>
+          <p:cNvPr id="63" name="Rectangle 62">
+            <a:extLst>
+              <a:ext uri="{FF2B5EF4-FFF2-40B4-BE49-F238E27FC236}">
+                <a16:creationId xmlns:a16="http://schemas.microsoft.com/office/drawing/2014/main" id="{169CC832-2974-4E8D-90ED-3E2941BA7336}"/>
+              </a:ext>
+              <a:ext uri="{C183D7F6-B498-43B3-948B-1728B52AA6E4}">
+                <adec:decorative xmlns:adec="http://schemas.microsoft.com/office/drawing/2017/decorative" val="1"/>
+              </a:ext>
+            </a:extLst>
+          </p:cNvPr>
+          <p:cNvSpPr>
+            <a:spLocks noGrp="1" noRot="1" noChangeAspect="1" noMove="1" noResize="1" noEditPoints="1" noAdjustHandles="1" noChangeArrowheads="1" noChangeShapeType="1" noTextEdit="1"/>
+          </p:cNvSpPr>
+          <p:nvPr>
+            <p:extLst>
+              <p:ext uri="{386F3935-93C4-4BCD-93E2-E3B085C9AB24}">
+                <p16:designElem xmlns:p16="http://schemas.microsoft.com/office/powerpoint/2015/main" val="1"/>
+              </p:ext>
+            </p:extLst>
+          </p:nvPr>
+        </p:nvSpPr>
+        <p:spPr>
+          <a:xfrm flipH="1">
+            <a:off x="7277786" y="1944913"/>
+            <a:ext cx="4023360" cy="27432"/>
+          </a:xfrm>
+          <a:prstGeom prst="rect">
+            <a:avLst/>
+          </a:prstGeom>
+          <a:solidFill>
+            <a:schemeClr val="accent4"/>
+          </a:solidFill>
+          <a:ln>
+            <a:noFill/>
+          </a:ln>
+        </p:spPr>
+        <p:style>
+          <a:lnRef idx="2">
+            <a:schemeClr val="accent1">
+              <a:shade val="50000"/>
+            </a:schemeClr>
+          </a:lnRef>
+          <a:fillRef idx="1">
+            <a:schemeClr val="accent1"/>
+          </a:fillRef>
+          <a:effectRef idx="0">
+            <a:schemeClr val="accent1"/>
+          </a:effectRef>
+          <a:fontRef idx="minor">
+            <a:schemeClr val="lt1"/>
+          </a:fontRef>
+        </p:style>
+        <p:txBody>
+          <a:bodyPr rtlCol="0" anchor="ctr"/>
+          <a:lstStyle/>
+          <a:p>
+            <a:pPr algn="ctr"/>
+            <a:endParaRPr lang="en-US"/>
+          </a:p>
+        </p:txBody>
+      </p:sp>
+      <p:sp>
+        <p:nvSpPr>
+          <p:cNvPr id="5" name="Textfeld 4">
+            <a:extLst>
+              <a:ext uri="{FF2B5EF4-FFF2-40B4-BE49-F238E27FC236}">
+                <a16:creationId xmlns:a16="http://schemas.microsoft.com/office/drawing/2014/main" id="{4ADDF92C-124D-0A71-BADE-6E2086991936}"/>
+              </a:ext>
+            </a:extLst>
+          </p:cNvPr>
+          <p:cNvSpPr txBox="1"/>
+          <p:nvPr/>
+        </p:nvSpPr>
+        <p:spPr>
+          <a:xfrm>
+            <a:off x="7239012" y="2031101"/>
+            <a:ext cx="4282984" cy="3511943"/>
+          </a:xfrm>
+          <a:prstGeom prst="rect">
+            <a:avLst/>
+          </a:prstGeom>
+        </p:spPr>
+        <p:txBody>
+          <a:bodyPr vert="horz" lIns="91440" tIns="45720" rIns="91440" bIns="45720" rtlCol="0" anchor="ctr">
+            <a:normAutofit/>
+          </a:bodyPr>
+          <a:lstStyle/>
+          <a:p>
+            <a:pPr indent="-228600">
+              <a:lnSpc>
+                <a:spcPct val="90000"/>
+              </a:lnSpc>
+              <a:spcAft>
+                <a:spcPts val="600"/>
+              </a:spcAft>
+              <a:buFont typeface="Arial" panose="020B0604020202020204" pitchFamily="34" charset="0"/>
+              <a:buChar char="•"/>
+            </a:pPr>
+            <a:r>
+              <a:rPr lang="de-CH" dirty="0"/>
+              <a:t>Spart weiter</a:t>
+            </a:r>
+          </a:p>
+          <a:p>
+            <a:pPr indent="-228600">
+              <a:lnSpc>
+                <a:spcPct val="90000"/>
+              </a:lnSpc>
+              <a:spcAft>
+                <a:spcPts val="600"/>
+              </a:spcAft>
+              <a:buFont typeface="Arial" panose="020B0604020202020204" pitchFamily="34" charset="0"/>
+              <a:buChar char="•"/>
+            </a:pPr>
+            <a:endParaRPr lang="de-CH" dirty="0"/>
+          </a:p>
+        </p:txBody>
+      </p:sp>
+      <p:sp>
+        <p:nvSpPr>
+          <p:cNvPr id="65" name="Rectangle 64">
+            <a:extLst>
+              <a:ext uri="{FF2B5EF4-FFF2-40B4-BE49-F238E27FC236}">
+                <a16:creationId xmlns:a16="http://schemas.microsoft.com/office/drawing/2014/main" id="{55222F96-971A-4F90-B841-6BAB416C7AC1}"/>
+              </a:ext>
+              <a:ext uri="{C183D7F6-B498-43B3-948B-1728B52AA6E4}">
+                <adec:decorative xmlns:adec="http://schemas.microsoft.com/office/drawing/2017/decorative" val="1"/>
+              </a:ext>
+            </a:extLst>
+          </p:cNvPr>
+          <p:cNvSpPr>
+            <a:spLocks noGrp="1" noRot="1" noChangeAspect="1" noMove="1" noResize="1" noEditPoints="1" noAdjustHandles="1" noChangeArrowheads="1" noChangeShapeType="1" noTextEdit="1"/>
+          </p:cNvSpPr>
+          <p:nvPr>
+            <p:extLst>
+              <p:ext uri="{386F3935-93C4-4BCD-93E2-E3B085C9AB24}">
+                <p16:designElem xmlns:p16="http://schemas.microsoft.com/office/powerpoint/2015/main" val="1"/>
+              </p:ext>
+            </p:extLst>
+          </p:nvPr>
+        </p:nvSpPr>
+        <p:spPr>
+          <a:xfrm rot="5400000">
+            <a:off x="11677179" y="6053360"/>
+            <a:ext cx="740664" cy="154124"/>
+          </a:xfrm>
+          <a:prstGeom prst="rect">
+            <a:avLst/>
+          </a:prstGeom>
+          <a:solidFill>
+            <a:schemeClr val="accent4"/>
+          </a:solidFill>
+          <a:ln>
+            <a:noFill/>
+          </a:ln>
+        </p:spPr>
+        <p:style>
+          <a:lnRef idx="2">
+            <a:schemeClr val="accent1">
+              <a:shade val="50000"/>
+            </a:schemeClr>
+          </a:lnRef>
+          <a:fillRef idx="1">
+            <a:schemeClr val="accent1"/>
+          </a:fillRef>
+          <a:effectRef idx="0">
+            <a:schemeClr val="accent1"/>
+          </a:effectRef>
+          <a:fontRef idx="minor">
+            <a:schemeClr val="lt1"/>
+          </a:fontRef>
+        </p:style>
+        <p:txBody>
+          <a:bodyPr rtlCol="0" anchor="ctr"/>
+          <a:lstStyle/>
+          <a:p>
+            <a:pPr algn="ctr"/>
+            <a:endParaRPr lang="en-US"/>
+          </a:p>
+        </p:txBody>
+      </p:sp>
+    </p:spTree>
+    <p:extLst>
+      <p:ext uri="{BB962C8B-B14F-4D97-AF65-F5344CB8AC3E}">
+        <p14:creationId xmlns:p14="http://schemas.microsoft.com/office/powerpoint/2010/main" val="1636291491"/>
+      </p:ext>
+    </p:extLst>
+  </p:cSld>
+  <p:clrMapOvr>
+    <a:masterClrMapping/>
+  </p:clrMapOvr>
+  <p:timing>
+    <p:tnLst>
+      <p:par>
+        <p:cTn id="1" dur="indefinite" restart="never" nodeType="tmRoot">
+          <p:childTnLst>
+            <p:seq concurrent="1" nextAc="seek">
+              <p:cTn id="2" dur="indefinite" nodeType="mainSeq">
+                <p:childTnLst>
+                  <p:par>
+                    <p:cTn id="3" fill="hold">
+                      <p:stCondLst>
+                        <p:cond delay="indefinite"/>
+                        <p:cond evt="onBegin" delay="0">
+                          <p:tn val="2"/>
+                        </p:cond>
+                      </p:stCondLst>
+                      <p:childTnLst>
+                        <p:par>
+                          <p:cTn id="4" fill="hold">
+                            <p:stCondLst>
+                              <p:cond delay="0"/>
+                            </p:stCondLst>
+                            <p:childTnLst>
+                              <p:par>
+                                <p:cTn id="5" presetID="32" presetClass="emph" presetSubtype="0" fill="hold" nodeType="withEffect">
+                                  <p:stCondLst>
+                                    <p:cond delay="0"/>
+                                  </p:stCondLst>
+                                  <p:childTnLst>
+                                    <p:animRot by="120000">
+                                      <p:cBhvr>
+                                        <p:cTn id="6" dur="200" fill="hold">
+                                          <p:stCondLst>
+                                            <p:cond delay="0"/>
+                                          </p:stCondLst>
+                                        </p:cTn>
+                                        <p:tgtEl>
+                                          <p:spTgt spid="6"/>
+                                        </p:tgtEl>
+                                        <p:attrNameLst>
+                                          <p:attrName>r</p:attrName>
+                                        </p:attrNameLst>
+                                      </p:cBhvr>
+                                    </p:animRot>
+                                    <p:animRot by="-240000">
+                                      <p:cBhvr>
+                                        <p:cTn id="7" dur="400" fill="hold">
+                                          <p:stCondLst>
+                                            <p:cond delay="400"/>
+                                          </p:stCondLst>
+                                        </p:cTn>
+                                        <p:tgtEl>
+                                          <p:spTgt spid="6"/>
+                                        </p:tgtEl>
+                                        <p:attrNameLst>
+                                          <p:attrName>r</p:attrName>
+                                        </p:attrNameLst>
+                                      </p:cBhvr>
+                                    </p:animRot>
+                                    <p:animRot by="240000">
+                                      <p:cBhvr>
+                                        <p:cTn id="8" dur="400" fill="hold">
+                                          <p:stCondLst>
+                                            <p:cond delay="800"/>
+                                          </p:stCondLst>
+                                        </p:cTn>
+                                        <p:tgtEl>
+                                          <p:spTgt spid="6"/>
+                                        </p:tgtEl>
+                                        <p:attrNameLst>
+                                          <p:attrName>r</p:attrName>
+                                        </p:attrNameLst>
+                                      </p:cBhvr>
+                                    </p:animRot>
+                                    <p:animRot by="-240000">
+                                      <p:cBhvr>
+                                        <p:cTn id="9" dur="400" fill="hold">
+                                          <p:stCondLst>
+                                            <p:cond delay="1200"/>
+                                          </p:stCondLst>
+                                        </p:cTn>
+                                        <p:tgtEl>
+                                          <p:spTgt spid="6"/>
+                                        </p:tgtEl>
+                                        <p:attrNameLst>
+                                          <p:attrName>r</p:attrName>
+                                        </p:attrNameLst>
+                                      </p:cBhvr>
+                                    </p:animRot>
+                                    <p:animRot by="120000">
+                                      <p:cBhvr>
+                                        <p:cTn id="10" dur="400" fill="hold">
+                                          <p:stCondLst>
+                                            <p:cond delay="1600"/>
+                                          </p:stCondLst>
+                                        </p:cTn>
+                                        <p:tgtEl>
+                                          <p:spTgt spid="6"/>
+                                        </p:tgtEl>
+                                        <p:attrNameLst>
+                                          <p:attrName>r</p:attrName>
+                                        </p:attrNameLst>
+                                      </p:cBhvr>
+                                    </p:animRot>
+                                  </p:childTnLst>
+                                </p:cTn>
+                              </p:par>
+                              <p:par>
+                                <p:cTn id="11" presetID="1" presetClass="mediacall" presetSubtype="0" fill="hold" nodeType="withEffect">
+                                  <p:stCondLst>
+                                    <p:cond delay="0"/>
+                                  </p:stCondLst>
+                                  <p:childTnLst>
+                                    <p:cmd type="call" cmd="playFrom(0.0)">
+                                      <p:cBhvr>
+                                        <p:cTn id="12" dur="1829" fill="hold"/>
+                                        <p:tgtEl>
+                                          <p:spTgt spid="8"/>
+                                        </p:tgtEl>
+                                      </p:cBhvr>
+                                    </p:cmd>
+                                  </p:childTnLst>
+                                </p:cTn>
+                              </p:par>
+                            </p:childTnLst>
+                          </p:cTn>
+                        </p:par>
+                      </p:childTnLst>
+                    </p:cTn>
+                  </p:par>
+                </p:childTnLst>
+              </p:cTn>
+              <p:prevCondLst>
+                <p:cond evt="onPrev" delay="0">
+                  <p:tgtEl>
+                    <p:sldTgt/>
+                  </p:tgtEl>
+                </p:cond>
+              </p:prevCondLst>
+              <p:nextCondLst>
+                <p:cond evt="onNext" delay="0">
+                  <p:tgtEl>
+                    <p:sldTgt/>
+                  </p:tgtEl>
+                </p:cond>
+              </p:nextCondLst>
+            </p:seq>
+            <p:audio>
+              <p:cMediaNode vol="80000">
+                <p:cTn id="13" fill="hold" display="0">
+                  <p:stCondLst>
+                    <p:cond delay="indefinite"/>
+                  </p:stCondLst>
+                  <p:endCondLst>
+                    <p:cond evt="onStopAudio" delay="0">
+                      <p:tgtEl>
+                        <p:sldTgt/>
+                      </p:tgtEl>
+                    </p:cond>
+                  </p:endCondLst>
+                </p:cTn>
+                <p:tgtEl>
+                  <p:spTgt spid="8"/>
+                </p:tgtEl>
+              </p:cMediaNode>
+            </p:audio>
+          </p:childTnLst>
+        </p:cTn>
+      </p:par>
+    </p:tnLst>
+  </p:timing>
+</p:sld>
+</file>
+
 <file path=ppt/slides/slide2.xml><?xml version="1.0" encoding="utf-8"?>
 <p:sld xmlns:a="http://schemas.openxmlformats.org/drawingml/2006/main" xmlns:r="http://schemas.openxmlformats.org/officeDocument/2006/relationships" xmlns:p="http://schemas.openxmlformats.org/presentationml/2006/main">
   <p:cSld>
@@ -8713,6 +9421,478 @@
           <p:cNvPr id="10" name="Rectangle 9">
             <a:extLst>
               <a:ext uri="{FF2B5EF4-FFF2-40B4-BE49-F238E27FC236}">
+                <a16:creationId xmlns:a16="http://schemas.microsoft.com/office/drawing/2014/main" id="{9A724DBA-D2D9-471E-8ED7-2015DDD950DF}"/>
+              </a:ext>
+              <a:ext uri="{C183D7F6-B498-43B3-948B-1728B52AA6E4}">
+                <adec:decorative xmlns:adec="http://schemas.microsoft.com/office/drawing/2017/decorative" val="1"/>
+              </a:ext>
+            </a:extLst>
+          </p:cNvPr>
+          <p:cNvSpPr>
+            <a:spLocks noGrp="1" noRot="1" noChangeAspect="1" noMove="1" noResize="1" noEditPoints="1" noAdjustHandles="1" noChangeArrowheads="1" noChangeShapeType="1" noTextEdit="1"/>
+          </p:cNvSpPr>
+          <p:nvPr>
+            <p:extLst>
+              <p:ext uri="{386F3935-93C4-4BCD-93E2-E3B085C9AB24}">
+                <p16:designElem xmlns:p16="http://schemas.microsoft.com/office/powerpoint/2015/main" val="1"/>
+              </p:ext>
+            </p:extLst>
+          </p:nvPr>
+        </p:nvSpPr>
+        <p:spPr>
+          <a:xfrm>
+            <a:off x="0" y="0"/>
+            <a:ext cx="12191999" cy="6857365"/>
+          </a:xfrm>
+          <a:prstGeom prst="rect">
+            <a:avLst/>
+          </a:prstGeom>
+          <a:ln>
+            <a:noFill/>
+          </a:ln>
+        </p:spPr>
+        <p:style>
+          <a:lnRef idx="2">
+            <a:schemeClr val="accent1">
+              <a:shade val="50000"/>
+            </a:schemeClr>
+          </a:lnRef>
+          <a:fillRef idx="1">
+            <a:schemeClr val="accent1"/>
+          </a:fillRef>
+          <a:effectRef idx="0">
+            <a:schemeClr val="accent1"/>
+          </a:effectRef>
+          <a:fontRef idx="minor">
+            <a:schemeClr val="lt1"/>
+          </a:fontRef>
+        </p:style>
+        <p:txBody>
+          <a:bodyPr rtlCol="0" anchor="ctr"/>
+          <a:lstStyle/>
+          <a:p>
+            <a:pPr algn="ctr"/>
+            <a:endParaRPr lang="en-US"/>
+          </a:p>
+        </p:txBody>
+      </p:sp>
+      <p:sp>
+        <p:nvSpPr>
+          <p:cNvPr id="2" name="Titel 1">
+            <a:extLst>
+              <a:ext uri="{FF2B5EF4-FFF2-40B4-BE49-F238E27FC236}">
+                <a16:creationId xmlns:a16="http://schemas.microsoft.com/office/drawing/2014/main" id="{2BB1F801-7CDF-F5C8-1029-88BB53F4EDE2}"/>
+              </a:ext>
+            </a:extLst>
+          </p:cNvPr>
+          <p:cNvSpPr>
+            <a:spLocks noGrp="1"/>
+          </p:cNvSpPr>
+          <p:nvPr>
+            <p:ph type="title"/>
+          </p:nvPr>
+        </p:nvSpPr>
+        <p:spPr>
+          <a:xfrm>
+            <a:off x="7239014" y="525982"/>
+            <a:ext cx="4282983" cy="1200361"/>
+          </a:xfrm>
+        </p:spPr>
+        <p:txBody>
+          <a:bodyPr anchor="b">
+            <a:normAutofit/>
+          </a:bodyPr>
+          <a:lstStyle/>
+          <a:p>
+            <a:r>
+              <a:rPr lang="de-DE" sz="3600"/>
+              <a:t>API</a:t>
+            </a:r>
+          </a:p>
+        </p:txBody>
+      </p:sp>
+      <p:sp>
+        <p:nvSpPr>
+          <p:cNvPr id="12" name="Rectangle 11">
+            <a:extLst>
+              <a:ext uri="{FF2B5EF4-FFF2-40B4-BE49-F238E27FC236}">
+                <a16:creationId xmlns:a16="http://schemas.microsoft.com/office/drawing/2014/main" id="{08980754-6F4B-43C9-B9BE-127B6BED6586}"/>
+              </a:ext>
+              <a:ext uri="{C183D7F6-B498-43B3-948B-1728B52AA6E4}">
+                <adec:decorative xmlns:adec="http://schemas.microsoft.com/office/drawing/2017/decorative" val="1"/>
+              </a:ext>
+            </a:extLst>
+          </p:cNvPr>
+          <p:cNvSpPr>
+            <a:spLocks noGrp="1" noRot="1" noChangeAspect="1" noMove="1" noResize="1" noEditPoints="1" noAdjustHandles="1" noChangeArrowheads="1" noChangeShapeType="1" noTextEdit="1"/>
+          </p:cNvSpPr>
+          <p:nvPr>
+            <p:extLst>
+              <p:ext uri="{386F3935-93C4-4BCD-93E2-E3B085C9AB24}">
+                <p16:designElem xmlns:p16="http://schemas.microsoft.com/office/powerpoint/2015/main" val="1"/>
+              </p:ext>
+            </p:extLst>
+          </p:nvPr>
+        </p:nvSpPr>
+        <p:spPr>
+          <a:xfrm rot="5400000">
+            <a:off x="5546413" y="215201"/>
+            <a:ext cx="740664" cy="11833491"/>
+          </a:xfrm>
+          <a:prstGeom prst="rect">
+            <a:avLst/>
+          </a:prstGeom>
+          <a:solidFill>
+            <a:schemeClr val="accent4"/>
+          </a:solidFill>
+          <a:ln>
+            <a:noFill/>
+          </a:ln>
+        </p:spPr>
+        <p:style>
+          <a:lnRef idx="2">
+            <a:schemeClr val="accent1">
+              <a:shade val="50000"/>
+            </a:schemeClr>
+          </a:lnRef>
+          <a:fillRef idx="1">
+            <a:schemeClr val="accent1"/>
+          </a:fillRef>
+          <a:effectRef idx="0">
+            <a:schemeClr val="accent1"/>
+          </a:effectRef>
+          <a:fontRef idx="minor">
+            <a:schemeClr val="lt1"/>
+          </a:fontRef>
+        </p:style>
+        <p:txBody>
+          <a:bodyPr rtlCol="0" anchor="ctr"/>
+          <a:lstStyle/>
+          <a:p>
+            <a:pPr algn="ctr"/>
+            <a:endParaRPr lang="en-US"/>
+          </a:p>
+        </p:txBody>
+      </p:sp>
+      <p:sp>
+        <p:nvSpPr>
+          <p:cNvPr id="14" name="Rectangle 13">
+            <a:extLst>
+              <a:ext uri="{FF2B5EF4-FFF2-40B4-BE49-F238E27FC236}">
+                <a16:creationId xmlns:a16="http://schemas.microsoft.com/office/drawing/2014/main" id="{2C1BBA94-3F40-40AA-8BB9-E69E25E537C1}"/>
+              </a:ext>
+              <a:ext uri="{C183D7F6-B498-43B3-948B-1728B52AA6E4}">
+                <adec:decorative xmlns:adec="http://schemas.microsoft.com/office/drawing/2017/decorative" val="1"/>
+              </a:ext>
+            </a:extLst>
+          </p:cNvPr>
+          <p:cNvSpPr>
+            <a:spLocks noGrp="1" noRot="1" noChangeAspect="1" noMove="1" noResize="1" noEditPoints="1" noAdjustHandles="1" noChangeArrowheads="1" noChangeShapeType="1" noTextEdit="1"/>
+          </p:cNvSpPr>
+          <p:nvPr>
+            <p:extLst>
+              <p:ext uri="{386F3935-93C4-4BCD-93E2-E3B085C9AB24}">
+                <p16:designElem xmlns:p16="http://schemas.microsoft.com/office/powerpoint/2015/main" val="1"/>
+              </p:ext>
+            </p:extLst>
+          </p:nvPr>
+        </p:nvSpPr>
+        <p:spPr>
+          <a:xfrm>
+            <a:off x="310234" y="354959"/>
+            <a:ext cx="6184973" cy="5915212"/>
+          </a:xfrm>
+          <a:prstGeom prst="rect">
+            <a:avLst/>
+          </a:prstGeom>
+          <a:solidFill>
+            <a:schemeClr val="bg1"/>
+          </a:solidFill>
+          <a:ln>
+            <a:noFill/>
+          </a:ln>
+          <a:effectLst>
+            <a:outerShdw blurRad="139700" dist="127000" dir="5400000" algn="t" rotWithShape="0">
+              <a:prstClr val="black">
+                <a:alpha val="15000"/>
+              </a:prstClr>
+            </a:outerShdw>
+          </a:effectLst>
+        </p:spPr>
+        <p:style>
+          <a:lnRef idx="2">
+            <a:schemeClr val="accent1">
+              <a:shade val="50000"/>
+            </a:schemeClr>
+          </a:lnRef>
+          <a:fillRef idx="1">
+            <a:schemeClr val="accent1"/>
+          </a:fillRef>
+          <a:effectRef idx="0">
+            <a:schemeClr val="accent1"/>
+          </a:effectRef>
+          <a:fontRef idx="minor">
+            <a:schemeClr val="lt1"/>
+          </a:fontRef>
+        </p:style>
+        <p:txBody>
+          <a:bodyPr rtlCol="0" anchor="ctr"/>
+          <a:lstStyle/>
+          <a:p>
+            <a:pPr algn="ctr"/>
+            <a:endParaRPr lang="en-US"/>
+          </a:p>
+        </p:txBody>
+      </p:sp>
+      <p:pic>
+        <p:nvPicPr>
+          <p:cNvPr id="5" name="Grafik 4" descr="Ein Bild, das Text enthält.&#10;&#10;Automatisch generierte Beschreibung">
+            <a:extLst>
+              <a:ext uri="{FF2B5EF4-FFF2-40B4-BE49-F238E27FC236}">
+                <a16:creationId xmlns:a16="http://schemas.microsoft.com/office/drawing/2014/main" id="{3488FE3A-7EB2-6AFC-6D56-10F55C9D1979}"/>
+              </a:ext>
+            </a:extLst>
+          </p:cNvPr>
+          <p:cNvPicPr>
+            <a:picLocks noChangeAspect="1"/>
+          </p:cNvPicPr>
+          <p:nvPr/>
+        </p:nvPicPr>
+        <p:blipFill>
+          <a:blip r:embed="rId2"/>
+          <a:stretch>
+            <a:fillRect/>
+          </a:stretch>
+        </p:blipFill>
+        <p:spPr>
+          <a:xfrm>
+            <a:off x="310235" y="1580055"/>
+            <a:ext cx="6184972" cy="3479046"/>
+          </a:xfrm>
+          <a:prstGeom prst="rect">
+            <a:avLst/>
+          </a:prstGeom>
+        </p:spPr>
+      </p:pic>
+      <p:sp>
+        <p:nvSpPr>
+          <p:cNvPr id="16" name="Rectangle 15">
+            <a:extLst>
+              <a:ext uri="{FF2B5EF4-FFF2-40B4-BE49-F238E27FC236}">
+                <a16:creationId xmlns:a16="http://schemas.microsoft.com/office/drawing/2014/main" id="{169CC832-2974-4E8D-90ED-3E2941BA7336}"/>
+              </a:ext>
+              <a:ext uri="{C183D7F6-B498-43B3-948B-1728B52AA6E4}">
+                <adec:decorative xmlns:adec="http://schemas.microsoft.com/office/drawing/2017/decorative" val="1"/>
+              </a:ext>
+            </a:extLst>
+          </p:cNvPr>
+          <p:cNvSpPr>
+            <a:spLocks noGrp="1" noRot="1" noChangeAspect="1" noMove="1" noResize="1" noEditPoints="1" noAdjustHandles="1" noChangeArrowheads="1" noChangeShapeType="1" noTextEdit="1"/>
+          </p:cNvSpPr>
+          <p:nvPr>
+            <p:extLst>
+              <p:ext uri="{386F3935-93C4-4BCD-93E2-E3B085C9AB24}">
+                <p16:designElem xmlns:p16="http://schemas.microsoft.com/office/powerpoint/2015/main" val="1"/>
+              </p:ext>
+            </p:extLst>
+          </p:nvPr>
+        </p:nvSpPr>
+        <p:spPr>
+          <a:xfrm flipH="1">
+            <a:off x="7277786" y="1944913"/>
+            <a:ext cx="4023360" cy="27432"/>
+          </a:xfrm>
+          <a:prstGeom prst="rect">
+            <a:avLst/>
+          </a:prstGeom>
+          <a:solidFill>
+            <a:schemeClr val="accent4"/>
+          </a:solidFill>
+          <a:ln>
+            <a:noFill/>
+          </a:ln>
+        </p:spPr>
+        <p:style>
+          <a:lnRef idx="2">
+            <a:schemeClr val="accent1">
+              <a:shade val="50000"/>
+            </a:schemeClr>
+          </a:lnRef>
+          <a:fillRef idx="1">
+            <a:schemeClr val="accent1"/>
+          </a:fillRef>
+          <a:effectRef idx="0">
+            <a:schemeClr val="accent1"/>
+          </a:effectRef>
+          <a:fontRef idx="minor">
+            <a:schemeClr val="lt1"/>
+          </a:fontRef>
+        </p:style>
+        <p:txBody>
+          <a:bodyPr rtlCol="0" anchor="ctr"/>
+          <a:lstStyle/>
+          <a:p>
+            <a:pPr algn="ctr"/>
+            <a:endParaRPr lang="en-US"/>
+          </a:p>
+        </p:txBody>
+      </p:sp>
+      <p:sp>
+        <p:nvSpPr>
+          <p:cNvPr id="3" name="Inhaltsplatzhalter 2">
+            <a:extLst>
+              <a:ext uri="{FF2B5EF4-FFF2-40B4-BE49-F238E27FC236}">
+                <a16:creationId xmlns:a16="http://schemas.microsoft.com/office/drawing/2014/main" id="{37EC16D0-740D-54D3-DA4B-E03880AB23BC}"/>
+              </a:ext>
+            </a:extLst>
+          </p:cNvPr>
+          <p:cNvSpPr>
+            <a:spLocks noGrp="1"/>
+          </p:cNvSpPr>
+          <p:nvPr>
+            <p:ph idx="1"/>
+          </p:nvPr>
+        </p:nvSpPr>
+        <p:spPr>
+          <a:xfrm>
+            <a:off x="7239012" y="2031101"/>
+            <a:ext cx="4282984" cy="3511943"/>
+          </a:xfrm>
+        </p:spPr>
+        <p:txBody>
+          <a:bodyPr anchor="ctr">
+            <a:normAutofit/>
+          </a:bodyPr>
+          <a:lstStyle/>
+          <a:p>
+            <a:r>
+              <a:rPr lang="de-DE" sz="1800" dirty="0"/>
+              <a:t>Mandantenbasiert</a:t>
+            </a:r>
+          </a:p>
+          <a:p>
+            <a:r>
+              <a:rPr lang="de-DE" sz="1800" dirty="0"/>
+              <a:t>JWT Token</a:t>
+            </a:r>
+          </a:p>
+          <a:p>
+            <a:r>
+              <a:rPr lang="de-DE" sz="1800" dirty="0"/>
+              <a:t>Claims</a:t>
+            </a:r>
+          </a:p>
+          <a:p>
+            <a:endParaRPr lang="de-DE" sz="1800" dirty="0"/>
+          </a:p>
+        </p:txBody>
+      </p:sp>
+      <p:sp>
+        <p:nvSpPr>
+          <p:cNvPr id="18" name="Rectangle 17">
+            <a:extLst>
+              <a:ext uri="{FF2B5EF4-FFF2-40B4-BE49-F238E27FC236}">
+                <a16:creationId xmlns:a16="http://schemas.microsoft.com/office/drawing/2014/main" id="{55222F96-971A-4F90-B841-6BAB416C7AC1}"/>
+              </a:ext>
+              <a:ext uri="{C183D7F6-B498-43B3-948B-1728B52AA6E4}">
+                <adec:decorative xmlns:adec="http://schemas.microsoft.com/office/drawing/2017/decorative" val="1"/>
+              </a:ext>
+            </a:extLst>
+          </p:cNvPr>
+          <p:cNvSpPr>
+            <a:spLocks noGrp="1" noRot="1" noChangeAspect="1" noMove="1" noResize="1" noEditPoints="1" noAdjustHandles="1" noChangeArrowheads="1" noChangeShapeType="1" noTextEdit="1"/>
+          </p:cNvSpPr>
+          <p:nvPr>
+            <p:extLst>
+              <p:ext uri="{386F3935-93C4-4BCD-93E2-E3B085C9AB24}">
+                <p16:designElem xmlns:p16="http://schemas.microsoft.com/office/powerpoint/2015/main" val="1"/>
+              </p:ext>
+            </p:extLst>
+          </p:nvPr>
+        </p:nvSpPr>
+        <p:spPr>
+          <a:xfrm rot="5400000">
+            <a:off x="11677179" y="6053360"/>
+            <a:ext cx="740664" cy="154124"/>
+          </a:xfrm>
+          <a:prstGeom prst="rect">
+            <a:avLst/>
+          </a:prstGeom>
+          <a:solidFill>
+            <a:schemeClr val="accent4"/>
+          </a:solidFill>
+          <a:ln>
+            <a:noFill/>
+          </a:ln>
+        </p:spPr>
+        <p:style>
+          <a:lnRef idx="2">
+            <a:schemeClr val="accent1">
+              <a:shade val="50000"/>
+            </a:schemeClr>
+          </a:lnRef>
+          <a:fillRef idx="1">
+            <a:schemeClr val="accent1"/>
+          </a:fillRef>
+          <a:effectRef idx="0">
+            <a:schemeClr val="accent1"/>
+          </a:effectRef>
+          <a:fontRef idx="minor">
+            <a:schemeClr val="lt1"/>
+          </a:fontRef>
+        </p:style>
+        <p:txBody>
+          <a:bodyPr rtlCol="0" anchor="ctr"/>
+          <a:lstStyle/>
+          <a:p>
+            <a:pPr algn="ctr"/>
+            <a:endParaRPr lang="en-US"/>
+          </a:p>
+        </p:txBody>
+      </p:sp>
+    </p:spTree>
+    <p:extLst>
+      <p:ext uri="{BB962C8B-B14F-4D97-AF65-F5344CB8AC3E}">
+        <p14:creationId xmlns:p14="http://schemas.microsoft.com/office/powerpoint/2010/main" val="2980876788"/>
+      </p:ext>
+    </p:extLst>
+  </p:cSld>
+  <p:clrMapOvr>
+    <a:masterClrMapping/>
+  </p:clrMapOvr>
+</p:sld>
+</file>
+
+<file path=ppt/slides/slide6.xml><?xml version="1.0" encoding="utf-8"?>
+<p:sld xmlns:a="http://schemas.openxmlformats.org/drawingml/2006/main" xmlns:r="http://schemas.openxmlformats.org/officeDocument/2006/relationships" xmlns:p="http://schemas.openxmlformats.org/presentationml/2006/main">
+  <p:cSld>
+    <p:bg>
+      <p:bgPr>
+        <a:solidFill>
+          <a:schemeClr val="bg1"/>
+        </a:solidFill>
+        <a:effectLst/>
+      </p:bgPr>
+    </p:bg>
+    <p:spTree>
+      <p:nvGrpSpPr>
+        <p:cNvPr id="1" name=""/>
+        <p:cNvGrpSpPr/>
+        <p:nvPr/>
+      </p:nvGrpSpPr>
+      <p:grpSpPr>
+        <a:xfrm>
+          <a:off x="0" y="0"/>
+          <a:ext cx="0" cy="0"/>
+          <a:chOff x="0" y="0"/>
+          <a:chExt cx="0" cy="0"/>
+        </a:xfrm>
+      </p:grpSpPr>
+      <p:sp useBgFill="1">
+        <p:nvSpPr>
+          <p:cNvPr id="10" name="Rectangle 9">
+            <a:extLst>
+              <a:ext uri="{FF2B5EF4-FFF2-40B4-BE49-F238E27FC236}">
                 <a16:creationId xmlns:a16="http://schemas.microsoft.com/office/drawing/2014/main" id="{D4C74C1C-EF2E-40CF-A712-656E694E6724}"/>
               </a:ext>
               <a:ext uri="{C183D7F6-B498-43B3-948B-1728B52AA6E4}">
@@ -9205,7 +10385,7 @@
 </p:sld>
 </file>
 
-<file path=ppt/slides/slide6.xml><?xml version="1.0" encoding="utf-8"?>
+<file path=ppt/slides/slide7.xml><?xml version="1.0" encoding="utf-8"?>
 <p:sld xmlns:a="http://schemas.openxmlformats.org/drawingml/2006/main" xmlns:r="http://schemas.openxmlformats.org/officeDocument/2006/relationships" xmlns:p="http://schemas.openxmlformats.org/presentationml/2006/main">
   <p:cSld>
     <p:bg>
@@ -9729,7 +10909,7 @@
 </p:sld>
 </file>
 
-<file path=ppt/slides/slide7.xml><?xml version="1.0" encoding="utf-8"?>
+<file path=ppt/slides/slide8.xml><?xml version="1.0" encoding="utf-8"?>
 <p:sld xmlns:a="http://schemas.openxmlformats.org/drawingml/2006/main" xmlns:r="http://schemas.openxmlformats.org/officeDocument/2006/relationships" xmlns:p="http://schemas.openxmlformats.org/presentationml/2006/main">
   <p:cSld>
     <p:bg>
@@ -10094,15 +11274,7 @@
           <a:p>
             <a:r>
               <a:rPr lang="de-DE" sz="2400" dirty="0"/>
-              <a:t>.NET MAUI </a:t>
-            </a:r>
-            <a:r>
-              <a:rPr lang="de-DE" sz="2400" dirty="0" err="1"/>
-              <a:t>Deployment</a:t>
-            </a:r>
-            <a:r>
-              <a:rPr lang="de-DE" sz="2400" dirty="0"/>
-              <a:t> in Pipeline</a:t>
+              <a:t>.NET MAUI in Pipeline</a:t>
             </a:r>
           </a:p>
           <a:p>
@@ -10116,6 +11288,43 @@
               <a:rPr lang="de-DE" sz="2400" dirty="0"/>
               <a:t>Feature Basierte Struktur</a:t>
             </a:r>
+          </a:p>
+          <a:p>
+            <a:r>
+              <a:rPr lang="de-DE" sz="2400" dirty="0"/>
+              <a:t>Fehlerbehebungen</a:t>
+            </a:r>
+          </a:p>
+          <a:p>
+            <a:r>
+              <a:rPr lang="de-DE" sz="2400" dirty="0"/>
+              <a:t>JWT Token in Preference speichern</a:t>
+            </a:r>
+          </a:p>
+          <a:p>
+            <a:r>
+              <a:rPr lang="de-DE" sz="2400" dirty="0"/>
+              <a:t>Listenansicht mit Filter, Gruppierung, Sortierung</a:t>
+            </a:r>
+          </a:p>
+          <a:p>
+            <a:r>
+              <a:rPr lang="de-DE" sz="2400" dirty="0"/>
+              <a:t>Einträge Bearbeiten</a:t>
+            </a:r>
+          </a:p>
+          <a:p>
+            <a:r>
+              <a:rPr lang="de-DE" sz="2400"/>
+              <a:t>Löschansicht Verbessern</a:t>
+            </a:r>
+            <a:endParaRPr lang="de-DE" sz="2400" dirty="0"/>
+          </a:p>
+          <a:p>
+            <a:endParaRPr lang="de-DE" sz="2400" dirty="0"/>
+          </a:p>
+          <a:p>
+            <a:endParaRPr lang="de-DE" sz="2400" dirty="0"/>
           </a:p>
           <a:p>
             <a:endParaRPr lang="de-DE" sz="2200" dirty="0"/>
@@ -10135,7 +11344,7 @@
 </p:sld>
 </file>
 
-<file path=ppt/slides/slide8.xml><?xml version="1.0" encoding="utf-8"?>
+<file path=ppt/slides/slide9.xml><?xml version="1.0" encoding="utf-8"?>
 <p:sld xmlns:a="http://schemas.openxmlformats.org/drawingml/2006/main" xmlns:r="http://schemas.openxmlformats.org/officeDocument/2006/relationships" xmlns:p="http://schemas.openxmlformats.org/presentationml/2006/main">
   <p:cSld>
     <p:bg>
@@ -10520,708 +11729,6 @@
   <p:clrMapOvr>
     <a:masterClrMapping/>
   </p:clrMapOvr>
-</p:sld>
-</file>
-
-<file path=ppt/slides/slide9.xml><?xml version="1.0" encoding="utf-8"?>
-<p:sld xmlns:a="http://schemas.openxmlformats.org/drawingml/2006/main" xmlns:r="http://schemas.openxmlformats.org/officeDocument/2006/relationships" xmlns:p="http://schemas.openxmlformats.org/presentationml/2006/main">
-  <p:cSld>
-    <p:bg>
-      <p:bgPr>
-        <a:solidFill>
-          <a:schemeClr val="bg1"/>
-        </a:solidFill>
-        <a:effectLst/>
-      </p:bgPr>
-    </p:bg>
-    <p:spTree>
-      <p:nvGrpSpPr>
-        <p:cNvPr id="1" name=""/>
-        <p:cNvGrpSpPr/>
-        <p:nvPr/>
-      </p:nvGrpSpPr>
-      <p:grpSpPr>
-        <a:xfrm>
-          <a:off x="0" y="0"/>
-          <a:ext cx="0" cy="0"/>
-          <a:chOff x="0" y="0"/>
-          <a:chExt cx="0" cy="0"/>
-        </a:xfrm>
-      </p:grpSpPr>
-      <p:pic>
-        <p:nvPicPr>
-          <p:cNvPr id="8" name="Tierstimmen-Klingelton_  Schweine, Ferkel, Sau grunzen Sound für das Handy downloaden!.mp3">
-            <a:hlinkClick r:id="" action="ppaction://media"/>
-            <a:extLst>
-              <a:ext uri="{FF2B5EF4-FFF2-40B4-BE49-F238E27FC236}">
-                <a16:creationId xmlns:a16="http://schemas.microsoft.com/office/drawing/2014/main" id="{A41BDF81-B62D-7359-5575-2967182AD7D0}"/>
-              </a:ext>
-            </a:extLst>
-          </p:cNvPr>
-          <p:cNvPicPr>
-            <a:picLocks noChangeAspect="1"/>
-          </p:cNvPicPr>
-          <p:nvPr>
-            <a:audioFile r:link="rId1"/>
-            <p:extLst>
-              <p:ext uri="{DAA4B4D4-6D71-4841-9C94-3DE7FCFB9230}">
-                <p14:media xmlns:p14="http://schemas.microsoft.com/office/powerpoint/2010/main" r:embed="rId2">
-                  <p14:trim end="1070.4609"/>
-                </p14:media>
-              </p:ext>
-            </p:extLst>
-          </p:nvPr>
-        </p:nvPicPr>
-        <p:blipFill rotWithShape="1">
-          <a:blip r:embed="rId4"/>
-          <a:srcRect r="34713"/>
-          <a:stretch/>
-        </p:blipFill>
-        <p:spPr>
-          <a:xfrm>
-            <a:off x="2996320" y="2799654"/>
-            <a:ext cx="530651" cy="812800"/>
-          </a:xfrm>
-          <a:prstGeom prst="rect">
-            <a:avLst/>
-          </a:prstGeom>
-        </p:spPr>
-      </p:pic>
-      <p:sp useBgFill="1">
-        <p:nvSpPr>
-          <p:cNvPr id="57" name="Rectangle 56">
-            <a:extLst>
-              <a:ext uri="{FF2B5EF4-FFF2-40B4-BE49-F238E27FC236}">
-                <a16:creationId xmlns:a16="http://schemas.microsoft.com/office/drawing/2014/main" id="{9A724DBA-D2D9-471E-8ED7-2015DDD950DF}"/>
-              </a:ext>
-              <a:ext uri="{C183D7F6-B498-43B3-948B-1728B52AA6E4}">
-                <adec:decorative xmlns:adec="http://schemas.microsoft.com/office/drawing/2017/decorative" val="1"/>
-              </a:ext>
-            </a:extLst>
-          </p:cNvPr>
-          <p:cNvSpPr>
-            <a:spLocks noGrp="1" noRot="1" noChangeAspect="1" noMove="1" noResize="1" noEditPoints="1" noAdjustHandles="1" noChangeArrowheads="1" noChangeShapeType="1" noTextEdit="1"/>
-          </p:cNvSpPr>
-          <p:nvPr>
-            <p:extLst>
-              <p:ext uri="{386F3935-93C4-4BCD-93E2-E3B085C9AB24}">
-                <p16:designElem xmlns:p16="http://schemas.microsoft.com/office/powerpoint/2015/main" val="1"/>
-              </p:ext>
-            </p:extLst>
-          </p:nvPr>
-        </p:nvSpPr>
-        <p:spPr>
-          <a:xfrm>
-            <a:off x="0" y="0"/>
-            <a:ext cx="12191999" cy="6857365"/>
-          </a:xfrm>
-          <a:prstGeom prst="rect">
-            <a:avLst/>
-          </a:prstGeom>
-          <a:ln>
-            <a:noFill/>
-          </a:ln>
-        </p:spPr>
-        <p:style>
-          <a:lnRef idx="2">
-            <a:schemeClr val="accent1">
-              <a:shade val="50000"/>
-            </a:schemeClr>
-          </a:lnRef>
-          <a:fillRef idx="1">
-            <a:schemeClr val="accent1"/>
-          </a:fillRef>
-          <a:effectRef idx="0">
-            <a:schemeClr val="accent1"/>
-          </a:effectRef>
-          <a:fontRef idx="minor">
-            <a:schemeClr val="lt1"/>
-          </a:fontRef>
-        </p:style>
-        <p:txBody>
-          <a:bodyPr rtlCol="0" anchor="ctr"/>
-          <a:lstStyle/>
-          <a:p>
-            <a:pPr algn="ctr"/>
-            <a:endParaRPr lang="en-US"/>
-          </a:p>
-        </p:txBody>
-      </p:sp>
-      <p:sp>
-        <p:nvSpPr>
-          <p:cNvPr id="2" name="Titel 1">
-            <a:extLst>
-              <a:ext uri="{FF2B5EF4-FFF2-40B4-BE49-F238E27FC236}">
-                <a16:creationId xmlns:a16="http://schemas.microsoft.com/office/drawing/2014/main" id="{2D8E0609-9B71-9A0D-A8EC-1C31E2A7A058}"/>
-              </a:ext>
-            </a:extLst>
-          </p:cNvPr>
-          <p:cNvSpPr>
-            <a:spLocks noGrp="1"/>
-          </p:cNvSpPr>
-          <p:nvPr>
-            <p:ph type="title"/>
-          </p:nvPr>
-        </p:nvSpPr>
-        <p:spPr>
-          <a:xfrm>
-            <a:off x="7239014" y="525982"/>
-            <a:ext cx="4282983" cy="1200361"/>
-          </a:xfrm>
-        </p:spPr>
-        <p:txBody>
-          <a:bodyPr vert="horz" lIns="91440" tIns="45720" rIns="91440" bIns="45720" rtlCol="0" anchor="b">
-            <a:normAutofit/>
-          </a:bodyPr>
-          <a:lstStyle/>
-          <a:p>
-            <a:r>
-              <a:rPr lang="en-US" sz="3600" kern="1200">
-                <a:solidFill>
-                  <a:schemeClr val="tx1"/>
-                </a:solidFill>
-                <a:latin typeface="+mj-lt"/>
-                <a:ea typeface="+mj-ea"/>
-                <a:cs typeface="+mj-cs"/>
-              </a:rPr>
-              <a:t>Danke für Eure Aufmerksamkeit</a:t>
-            </a:r>
-          </a:p>
-        </p:txBody>
-      </p:sp>
-      <p:sp>
-        <p:nvSpPr>
-          <p:cNvPr id="59" name="Rectangle 58">
-            <a:extLst>
-              <a:ext uri="{FF2B5EF4-FFF2-40B4-BE49-F238E27FC236}">
-                <a16:creationId xmlns:a16="http://schemas.microsoft.com/office/drawing/2014/main" id="{08980754-6F4B-43C9-B9BE-127B6BED6586}"/>
-              </a:ext>
-              <a:ext uri="{C183D7F6-B498-43B3-948B-1728B52AA6E4}">
-                <adec:decorative xmlns:adec="http://schemas.microsoft.com/office/drawing/2017/decorative" val="1"/>
-              </a:ext>
-            </a:extLst>
-          </p:cNvPr>
-          <p:cNvSpPr>
-            <a:spLocks noGrp="1" noRot="1" noChangeAspect="1" noMove="1" noResize="1" noEditPoints="1" noAdjustHandles="1" noChangeArrowheads="1" noChangeShapeType="1" noTextEdit="1"/>
-          </p:cNvSpPr>
-          <p:nvPr>
-            <p:extLst>
-              <p:ext uri="{386F3935-93C4-4BCD-93E2-E3B085C9AB24}">
-                <p16:designElem xmlns:p16="http://schemas.microsoft.com/office/powerpoint/2015/main" val="1"/>
-              </p:ext>
-            </p:extLst>
-          </p:nvPr>
-        </p:nvSpPr>
-        <p:spPr>
-          <a:xfrm rot="5400000">
-            <a:off x="5546413" y="215201"/>
-            <a:ext cx="740664" cy="11833491"/>
-          </a:xfrm>
-          <a:prstGeom prst="rect">
-            <a:avLst/>
-          </a:prstGeom>
-          <a:solidFill>
-            <a:schemeClr val="accent4"/>
-          </a:solidFill>
-          <a:ln>
-            <a:noFill/>
-          </a:ln>
-        </p:spPr>
-        <p:style>
-          <a:lnRef idx="2">
-            <a:schemeClr val="accent1">
-              <a:shade val="50000"/>
-            </a:schemeClr>
-          </a:lnRef>
-          <a:fillRef idx="1">
-            <a:schemeClr val="accent1"/>
-          </a:fillRef>
-          <a:effectRef idx="0">
-            <a:schemeClr val="accent1"/>
-          </a:effectRef>
-          <a:fontRef idx="minor">
-            <a:schemeClr val="lt1"/>
-          </a:fontRef>
-        </p:style>
-        <p:txBody>
-          <a:bodyPr rtlCol="0" anchor="ctr"/>
-          <a:lstStyle/>
-          <a:p>
-            <a:pPr algn="ctr"/>
-            <a:endParaRPr lang="en-US"/>
-          </a:p>
-        </p:txBody>
-      </p:sp>
-      <p:sp>
-        <p:nvSpPr>
-          <p:cNvPr id="61" name="Rectangle 60">
-            <a:extLst>
-              <a:ext uri="{FF2B5EF4-FFF2-40B4-BE49-F238E27FC236}">
-                <a16:creationId xmlns:a16="http://schemas.microsoft.com/office/drawing/2014/main" id="{2C1BBA94-3F40-40AA-8BB9-E69E25E537C1}"/>
-              </a:ext>
-              <a:ext uri="{C183D7F6-B498-43B3-948B-1728B52AA6E4}">
-                <adec:decorative xmlns:adec="http://schemas.microsoft.com/office/drawing/2017/decorative" val="1"/>
-              </a:ext>
-            </a:extLst>
-          </p:cNvPr>
-          <p:cNvSpPr>
-            <a:spLocks noGrp="1" noRot="1" noChangeAspect="1" noMove="1" noResize="1" noEditPoints="1" noAdjustHandles="1" noChangeArrowheads="1" noChangeShapeType="1" noTextEdit="1"/>
-          </p:cNvSpPr>
-          <p:nvPr>
-            <p:extLst>
-              <p:ext uri="{386F3935-93C4-4BCD-93E2-E3B085C9AB24}">
-                <p16:designElem xmlns:p16="http://schemas.microsoft.com/office/powerpoint/2015/main" val="1"/>
-              </p:ext>
-            </p:extLst>
-          </p:nvPr>
-        </p:nvSpPr>
-        <p:spPr>
-          <a:xfrm>
-            <a:off x="310234" y="354959"/>
-            <a:ext cx="6184973" cy="5915212"/>
-          </a:xfrm>
-          <a:prstGeom prst="rect">
-            <a:avLst/>
-          </a:prstGeom>
-          <a:solidFill>
-            <a:schemeClr val="bg1"/>
-          </a:solidFill>
-          <a:ln>
-            <a:noFill/>
-          </a:ln>
-          <a:effectLst>
-            <a:outerShdw blurRad="139700" dist="127000" dir="5400000" algn="t" rotWithShape="0">
-              <a:prstClr val="black">
-                <a:alpha val="15000"/>
-              </a:prstClr>
-            </a:outerShdw>
-          </a:effectLst>
-        </p:spPr>
-        <p:style>
-          <a:lnRef idx="2">
-            <a:schemeClr val="accent1">
-              <a:shade val="50000"/>
-            </a:schemeClr>
-          </a:lnRef>
-          <a:fillRef idx="1">
-            <a:schemeClr val="accent1"/>
-          </a:fillRef>
-          <a:effectRef idx="0">
-            <a:schemeClr val="accent1"/>
-          </a:effectRef>
-          <a:fontRef idx="minor">
-            <a:schemeClr val="lt1"/>
-          </a:fontRef>
-        </p:style>
-        <p:txBody>
-          <a:bodyPr rtlCol="0" anchor="ctr"/>
-          <a:lstStyle/>
-          <a:p>
-            <a:pPr algn="ctr"/>
-            <a:endParaRPr lang="en-US"/>
-          </a:p>
-        </p:txBody>
-      </p:sp>
-      <p:pic>
-        <p:nvPicPr>
-          <p:cNvPr id="6" name="Grafik 5">
-            <a:extLst>
-              <a:ext uri="{FF2B5EF4-FFF2-40B4-BE49-F238E27FC236}">
-                <a16:creationId xmlns:a16="http://schemas.microsoft.com/office/drawing/2014/main" id="{694DB2A7-B3AA-AD14-61F8-9A6FA294F0E0}"/>
-              </a:ext>
-            </a:extLst>
-          </p:cNvPr>
-          <p:cNvPicPr>
-            <a:picLocks noChangeAspect="1"/>
-          </p:cNvPicPr>
-          <p:nvPr/>
-        </p:nvPicPr>
-        <p:blipFill>
-          <a:blip r:embed="rId5">
-            <a:extLst>
-              <a:ext uri="{96DAC541-7B7A-43D3-8B79-37D633B846F1}">
-                <asvg:svgBlip xmlns:asvg="http://schemas.microsoft.com/office/drawing/2016/SVG/main" r:embed="rId6"/>
-              </a:ext>
-            </a:extLst>
-          </a:blip>
-          <a:stretch>
-            <a:fillRect/>
-          </a:stretch>
-        </p:blipFill>
-        <p:spPr>
-          <a:xfrm>
-            <a:off x="670003" y="650494"/>
-            <a:ext cx="5324142" cy="5324142"/>
-          </a:xfrm>
-          <a:prstGeom prst="rect">
-            <a:avLst/>
-          </a:prstGeom>
-        </p:spPr>
-      </p:pic>
-      <p:sp>
-        <p:nvSpPr>
-          <p:cNvPr id="63" name="Rectangle 62">
-            <a:extLst>
-              <a:ext uri="{FF2B5EF4-FFF2-40B4-BE49-F238E27FC236}">
-                <a16:creationId xmlns:a16="http://schemas.microsoft.com/office/drawing/2014/main" id="{169CC832-2974-4E8D-90ED-3E2941BA7336}"/>
-              </a:ext>
-              <a:ext uri="{C183D7F6-B498-43B3-948B-1728B52AA6E4}">
-                <adec:decorative xmlns:adec="http://schemas.microsoft.com/office/drawing/2017/decorative" val="1"/>
-              </a:ext>
-            </a:extLst>
-          </p:cNvPr>
-          <p:cNvSpPr>
-            <a:spLocks noGrp="1" noRot="1" noChangeAspect="1" noMove="1" noResize="1" noEditPoints="1" noAdjustHandles="1" noChangeArrowheads="1" noChangeShapeType="1" noTextEdit="1"/>
-          </p:cNvSpPr>
-          <p:nvPr>
-            <p:extLst>
-              <p:ext uri="{386F3935-93C4-4BCD-93E2-E3B085C9AB24}">
-                <p16:designElem xmlns:p16="http://schemas.microsoft.com/office/powerpoint/2015/main" val="1"/>
-              </p:ext>
-            </p:extLst>
-          </p:nvPr>
-        </p:nvSpPr>
-        <p:spPr>
-          <a:xfrm flipH="1">
-            <a:off x="7277786" y="1944913"/>
-            <a:ext cx="4023360" cy="27432"/>
-          </a:xfrm>
-          <a:prstGeom prst="rect">
-            <a:avLst/>
-          </a:prstGeom>
-          <a:solidFill>
-            <a:schemeClr val="accent4"/>
-          </a:solidFill>
-          <a:ln>
-            <a:noFill/>
-          </a:ln>
-        </p:spPr>
-        <p:style>
-          <a:lnRef idx="2">
-            <a:schemeClr val="accent1">
-              <a:shade val="50000"/>
-            </a:schemeClr>
-          </a:lnRef>
-          <a:fillRef idx="1">
-            <a:schemeClr val="accent1"/>
-          </a:fillRef>
-          <a:effectRef idx="0">
-            <a:schemeClr val="accent1"/>
-          </a:effectRef>
-          <a:fontRef idx="minor">
-            <a:schemeClr val="lt1"/>
-          </a:fontRef>
-        </p:style>
-        <p:txBody>
-          <a:bodyPr rtlCol="0" anchor="ctr"/>
-          <a:lstStyle/>
-          <a:p>
-            <a:pPr algn="ctr"/>
-            <a:endParaRPr lang="en-US"/>
-          </a:p>
-        </p:txBody>
-      </p:sp>
-      <p:sp>
-        <p:nvSpPr>
-          <p:cNvPr id="5" name="Textfeld 4">
-            <a:extLst>
-              <a:ext uri="{FF2B5EF4-FFF2-40B4-BE49-F238E27FC236}">
-                <a16:creationId xmlns:a16="http://schemas.microsoft.com/office/drawing/2014/main" id="{4ADDF92C-124D-0A71-BADE-6E2086991936}"/>
-              </a:ext>
-            </a:extLst>
-          </p:cNvPr>
-          <p:cNvSpPr txBox="1"/>
-          <p:nvPr/>
-        </p:nvSpPr>
-        <p:spPr>
-          <a:xfrm>
-            <a:off x="7239012" y="2031101"/>
-            <a:ext cx="4282984" cy="3511943"/>
-          </a:xfrm>
-          <a:prstGeom prst="rect">
-            <a:avLst/>
-          </a:prstGeom>
-        </p:spPr>
-        <p:txBody>
-          <a:bodyPr vert="horz" lIns="91440" tIns="45720" rIns="91440" bIns="45720" rtlCol="0" anchor="ctr">
-            <a:normAutofit/>
-          </a:bodyPr>
-          <a:lstStyle/>
-          <a:p>
-            <a:pPr indent="-228600">
-              <a:lnSpc>
-                <a:spcPct val="90000"/>
-              </a:lnSpc>
-              <a:spcAft>
-                <a:spcPts val="600"/>
-              </a:spcAft>
-              <a:buFont typeface="Arial" panose="020B0604020202020204" pitchFamily="34" charset="0"/>
-              <a:buChar char="•"/>
-            </a:pPr>
-            <a:r>
-              <a:rPr lang="de-CH" dirty="0"/>
-              <a:t>Spart weiter</a:t>
-            </a:r>
-          </a:p>
-          <a:p>
-            <a:pPr indent="-228600">
-              <a:lnSpc>
-                <a:spcPct val="90000"/>
-              </a:lnSpc>
-              <a:spcAft>
-                <a:spcPts val="600"/>
-              </a:spcAft>
-              <a:buFont typeface="Arial" panose="020B0604020202020204" pitchFamily="34" charset="0"/>
-              <a:buChar char="•"/>
-            </a:pPr>
-            <a:endParaRPr lang="de-CH" dirty="0"/>
-          </a:p>
-        </p:txBody>
-      </p:sp>
-      <p:sp>
-        <p:nvSpPr>
-          <p:cNvPr id="65" name="Rectangle 64">
-            <a:extLst>
-              <a:ext uri="{FF2B5EF4-FFF2-40B4-BE49-F238E27FC236}">
-                <a16:creationId xmlns:a16="http://schemas.microsoft.com/office/drawing/2014/main" id="{55222F96-971A-4F90-B841-6BAB416C7AC1}"/>
-              </a:ext>
-              <a:ext uri="{C183D7F6-B498-43B3-948B-1728B52AA6E4}">
-                <adec:decorative xmlns:adec="http://schemas.microsoft.com/office/drawing/2017/decorative" val="1"/>
-              </a:ext>
-            </a:extLst>
-          </p:cNvPr>
-          <p:cNvSpPr>
-            <a:spLocks noGrp="1" noRot="1" noChangeAspect="1" noMove="1" noResize="1" noEditPoints="1" noAdjustHandles="1" noChangeArrowheads="1" noChangeShapeType="1" noTextEdit="1"/>
-          </p:cNvSpPr>
-          <p:nvPr>
-            <p:extLst>
-              <p:ext uri="{386F3935-93C4-4BCD-93E2-E3B085C9AB24}">
-                <p16:designElem xmlns:p16="http://schemas.microsoft.com/office/powerpoint/2015/main" val="1"/>
-              </p:ext>
-            </p:extLst>
-          </p:nvPr>
-        </p:nvSpPr>
-        <p:spPr>
-          <a:xfrm rot="5400000">
-            <a:off x="11677179" y="6053360"/>
-            <a:ext cx="740664" cy="154124"/>
-          </a:xfrm>
-          <a:prstGeom prst="rect">
-            <a:avLst/>
-          </a:prstGeom>
-          <a:solidFill>
-            <a:schemeClr val="accent4"/>
-          </a:solidFill>
-          <a:ln>
-            <a:noFill/>
-          </a:ln>
-        </p:spPr>
-        <p:style>
-          <a:lnRef idx="2">
-            <a:schemeClr val="accent1">
-              <a:shade val="50000"/>
-            </a:schemeClr>
-          </a:lnRef>
-          <a:fillRef idx="1">
-            <a:schemeClr val="accent1"/>
-          </a:fillRef>
-          <a:effectRef idx="0">
-            <a:schemeClr val="accent1"/>
-          </a:effectRef>
-          <a:fontRef idx="minor">
-            <a:schemeClr val="lt1"/>
-          </a:fontRef>
-        </p:style>
-        <p:txBody>
-          <a:bodyPr rtlCol="0" anchor="ctr"/>
-          <a:lstStyle/>
-          <a:p>
-            <a:pPr algn="ctr"/>
-            <a:endParaRPr lang="en-US"/>
-          </a:p>
-        </p:txBody>
-      </p:sp>
-    </p:spTree>
-    <p:extLst>
-      <p:ext uri="{BB962C8B-B14F-4D97-AF65-F5344CB8AC3E}">
-        <p14:creationId xmlns:p14="http://schemas.microsoft.com/office/powerpoint/2010/main" val="1636291491"/>
-      </p:ext>
-    </p:extLst>
-  </p:cSld>
-  <p:clrMapOvr>
-    <a:masterClrMapping/>
-  </p:clrMapOvr>
-  <p:timing>
-    <p:tnLst>
-      <p:par>
-        <p:cTn id="1" dur="indefinite" restart="never" nodeType="tmRoot">
-          <p:childTnLst>
-            <p:seq concurrent="1" nextAc="seek">
-              <p:cTn id="2" dur="indefinite" nodeType="mainSeq">
-                <p:childTnLst>
-                  <p:par>
-                    <p:cTn id="3" fill="hold">
-                      <p:stCondLst>
-                        <p:cond delay="indefinite"/>
-                        <p:cond evt="onBegin" delay="0">
-                          <p:tn val="2"/>
-                        </p:cond>
-                      </p:stCondLst>
-                      <p:childTnLst>
-                        <p:par>
-                          <p:cTn id="4" fill="hold">
-                            <p:stCondLst>
-                              <p:cond delay="0"/>
-                            </p:stCondLst>
-                            <p:childTnLst>
-                              <p:par>
-                                <p:cTn id="5" presetID="32" presetClass="emph" presetSubtype="0" fill="hold" nodeType="withEffect">
-                                  <p:stCondLst>
-                                    <p:cond delay="0"/>
-                                  </p:stCondLst>
-                                  <p:childTnLst>
-                                    <p:animRot by="120000">
-                                      <p:cBhvr>
-                                        <p:cTn id="6" dur="200" fill="hold">
-                                          <p:stCondLst>
-                                            <p:cond delay="0"/>
-                                          </p:stCondLst>
-                                        </p:cTn>
-                                        <p:tgtEl>
-                                          <p:spTgt spid="6"/>
-                                        </p:tgtEl>
-                                        <p:attrNameLst>
-                                          <p:attrName>r</p:attrName>
-                                        </p:attrNameLst>
-                                      </p:cBhvr>
-                                    </p:animRot>
-                                    <p:animRot by="-240000">
-                                      <p:cBhvr>
-                                        <p:cTn id="7" dur="400" fill="hold">
-                                          <p:stCondLst>
-                                            <p:cond delay="400"/>
-                                          </p:stCondLst>
-                                        </p:cTn>
-                                        <p:tgtEl>
-                                          <p:spTgt spid="6"/>
-                                        </p:tgtEl>
-                                        <p:attrNameLst>
-                                          <p:attrName>r</p:attrName>
-                                        </p:attrNameLst>
-                                      </p:cBhvr>
-                                    </p:animRot>
-                                    <p:animRot by="240000">
-                                      <p:cBhvr>
-                                        <p:cTn id="8" dur="400" fill="hold">
-                                          <p:stCondLst>
-                                            <p:cond delay="800"/>
-                                          </p:stCondLst>
-                                        </p:cTn>
-                                        <p:tgtEl>
-                                          <p:spTgt spid="6"/>
-                                        </p:tgtEl>
-                                        <p:attrNameLst>
-                                          <p:attrName>r</p:attrName>
-                                        </p:attrNameLst>
-                                      </p:cBhvr>
-                                    </p:animRot>
-                                    <p:animRot by="-240000">
-                                      <p:cBhvr>
-                                        <p:cTn id="9" dur="400" fill="hold">
-                                          <p:stCondLst>
-                                            <p:cond delay="1200"/>
-                                          </p:stCondLst>
-                                        </p:cTn>
-                                        <p:tgtEl>
-                                          <p:spTgt spid="6"/>
-                                        </p:tgtEl>
-                                        <p:attrNameLst>
-                                          <p:attrName>r</p:attrName>
-                                        </p:attrNameLst>
-                                      </p:cBhvr>
-                                    </p:animRot>
-                                    <p:animRot by="120000">
-                                      <p:cBhvr>
-                                        <p:cTn id="10" dur="400" fill="hold">
-                                          <p:stCondLst>
-                                            <p:cond delay="1600"/>
-                                          </p:stCondLst>
-                                        </p:cTn>
-                                        <p:tgtEl>
-                                          <p:spTgt spid="6"/>
-                                        </p:tgtEl>
-                                        <p:attrNameLst>
-                                          <p:attrName>r</p:attrName>
-                                        </p:attrNameLst>
-                                      </p:cBhvr>
-                                    </p:animRot>
-                                  </p:childTnLst>
-                                </p:cTn>
-                              </p:par>
-                              <p:par>
-                                <p:cTn id="11" presetID="1" presetClass="mediacall" presetSubtype="0" fill="hold" nodeType="withEffect">
-                                  <p:stCondLst>
-                                    <p:cond delay="0"/>
-                                  </p:stCondLst>
-                                  <p:childTnLst>
-                                    <p:cmd type="call" cmd="playFrom(0.0)">
-                                      <p:cBhvr>
-                                        <p:cTn id="12" dur="1829" fill="hold"/>
-                                        <p:tgtEl>
-                                          <p:spTgt spid="8"/>
-                                        </p:tgtEl>
-                                      </p:cBhvr>
-                                    </p:cmd>
-                                  </p:childTnLst>
-                                </p:cTn>
-                              </p:par>
-                            </p:childTnLst>
-                          </p:cTn>
-                        </p:par>
-                      </p:childTnLst>
-                    </p:cTn>
-                  </p:par>
-                </p:childTnLst>
-              </p:cTn>
-              <p:prevCondLst>
-                <p:cond evt="onPrev" delay="0">
-                  <p:tgtEl>
-                    <p:sldTgt/>
-                  </p:tgtEl>
-                </p:cond>
-              </p:prevCondLst>
-              <p:nextCondLst>
-                <p:cond evt="onNext" delay="0">
-                  <p:tgtEl>
-                    <p:sldTgt/>
-                  </p:tgtEl>
-                </p:cond>
-              </p:nextCondLst>
-            </p:seq>
-            <p:audio>
-              <p:cMediaNode vol="80000">
-                <p:cTn id="13" fill="hold" display="0">
-                  <p:stCondLst>
-                    <p:cond delay="indefinite"/>
-                  </p:stCondLst>
-                  <p:endCondLst>
-                    <p:cond evt="onStopAudio" delay="0">
-                      <p:tgtEl>
-                        <p:sldTgt/>
-                      </p:tgtEl>
-                    </p:cond>
-                  </p:endCondLst>
-                </p:cTn>
-                <p:tgtEl>
-                  <p:spTgt spid="8"/>
-                </p:tgtEl>
-              </p:cMediaNode>
-            </p:audio>
-          </p:childTnLst>
-        </p:cTn>
-      </p:par>
-    </p:tnLst>
-  </p:timing>
 </p:sld>
 </file>
 

--- a/docs/Präsentation.pptx
+++ b/docs/Präsentation.pptx
@@ -4,6 +4,9 @@
   <p:sldMasterIdLst>
     <p:sldMasterId id="2147483648" r:id="rId1"/>
   </p:sldMasterIdLst>
+  <p:notesMasterIdLst>
+    <p:notesMasterId r:id="rId12"/>
+  </p:notesMasterIdLst>
   <p:sldIdLst>
     <p:sldId id="256" r:id="rId2"/>
     <p:sldId id="257" r:id="rId3"/>
@@ -3303,6 +3306,440 @@
 </dgm:styleDef>
 </file>
 
+<file path=ppt/notesMasters/notesMaster1.xml><?xml version="1.0" encoding="utf-8"?>
+<p:notesMaster xmlns:a="http://schemas.openxmlformats.org/drawingml/2006/main" xmlns:r="http://schemas.openxmlformats.org/officeDocument/2006/relationships" xmlns:p="http://schemas.openxmlformats.org/presentationml/2006/main">
+  <p:cSld>
+    <p:bg>
+      <p:bgRef idx="1001">
+        <a:schemeClr val="bg1"/>
+      </p:bgRef>
+    </p:bg>
+    <p:spTree>
+      <p:nvGrpSpPr>
+        <p:cNvPr id="1" name=""/>
+        <p:cNvGrpSpPr/>
+        <p:nvPr/>
+      </p:nvGrpSpPr>
+      <p:grpSpPr>
+        <a:xfrm>
+          <a:off x="0" y="0"/>
+          <a:ext cx="0" cy="0"/>
+          <a:chOff x="0" y="0"/>
+          <a:chExt cx="0" cy="0"/>
+        </a:xfrm>
+      </p:grpSpPr>
+      <p:sp>
+        <p:nvSpPr>
+          <p:cNvPr id="2" name="Header Placeholder 1"/>
+          <p:cNvSpPr>
+            <a:spLocks noGrp="1"/>
+          </p:cNvSpPr>
+          <p:nvPr>
+            <p:ph type="hdr" sz="quarter"/>
+          </p:nvPr>
+        </p:nvSpPr>
+        <p:spPr>
+          <a:xfrm>
+            <a:off x="0" y="0"/>
+            <a:ext cx="2971800" cy="458788"/>
+          </a:xfrm>
+          <a:prstGeom prst="rect">
+            <a:avLst/>
+          </a:prstGeom>
+        </p:spPr>
+        <p:txBody>
+          <a:bodyPr vert="horz" lIns="91440" tIns="45720" rIns="91440" bIns="45720" rtlCol="0"/>
+          <a:lstStyle>
+            <a:lvl1pPr algn="l">
+              <a:defRPr sz="1200"/>
+            </a:lvl1pPr>
+          </a:lstStyle>
+          <a:p>
+            <a:endParaRPr lang="LID4096"/>
+          </a:p>
+        </p:txBody>
+      </p:sp>
+      <p:sp>
+        <p:nvSpPr>
+          <p:cNvPr id="3" name="Date Placeholder 2"/>
+          <p:cNvSpPr>
+            <a:spLocks noGrp="1"/>
+          </p:cNvSpPr>
+          <p:nvPr>
+            <p:ph type="dt" idx="1"/>
+          </p:nvPr>
+        </p:nvSpPr>
+        <p:spPr>
+          <a:xfrm>
+            <a:off x="3884613" y="0"/>
+            <a:ext cx="2971800" cy="458788"/>
+          </a:xfrm>
+          <a:prstGeom prst="rect">
+            <a:avLst/>
+          </a:prstGeom>
+        </p:spPr>
+        <p:txBody>
+          <a:bodyPr vert="horz" lIns="91440" tIns="45720" rIns="91440" bIns="45720" rtlCol="0"/>
+          <a:lstStyle>
+            <a:lvl1pPr algn="r">
+              <a:defRPr sz="1200"/>
+            </a:lvl1pPr>
+          </a:lstStyle>
+          <a:p>
+            <a:fld id="{D29637C8-44C3-4DA3-99E6-4A5651A2E6F5}" type="datetimeFigureOut">
+              <a:rPr lang="LID4096" smtClean="0"/>
+              <a:t>03/21/2023</a:t>
+            </a:fld>
+            <a:endParaRPr lang="LID4096"/>
+          </a:p>
+        </p:txBody>
+      </p:sp>
+      <p:sp>
+        <p:nvSpPr>
+          <p:cNvPr id="4" name="Slide Image Placeholder 3"/>
+          <p:cNvSpPr>
+            <a:spLocks noGrp="1" noRot="1" noChangeAspect="1"/>
+          </p:cNvSpPr>
+          <p:nvPr>
+            <p:ph type="sldImg" idx="2"/>
+          </p:nvPr>
+        </p:nvSpPr>
+        <p:spPr>
+          <a:xfrm>
+            <a:off x="685800" y="1143000"/>
+            <a:ext cx="5486400" cy="3086100"/>
+          </a:xfrm>
+          <a:prstGeom prst="rect">
+            <a:avLst/>
+          </a:prstGeom>
+          <a:noFill/>
+          <a:ln w="12700">
+            <a:solidFill>
+              <a:prstClr val="black"/>
+            </a:solidFill>
+          </a:ln>
+        </p:spPr>
+        <p:txBody>
+          <a:bodyPr vert="horz" lIns="91440" tIns="45720" rIns="91440" bIns="45720" rtlCol="0" anchor="ctr"/>
+          <a:lstStyle/>
+          <a:p>
+            <a:endParaRPr lang="LID4096"/>
+          </a:p>
+        </p:txBody>
+      </p:sp>
+      <p:sp>
+        <p:nvSpPr>
+          <p:cNvPr id="5" name="Notes Placeholder 4"/>
+          <p:cNvSpPr>
+            <a:spLocks noGrp="1"/>
+          </p:cNvSpPr>
+          <p:nvPr>
+            <p:ph type="body" sz="quarter" idx="3"/>
+          </p:nvPr>
+        </p:nvSpPr>
+        <p:spPr>
+          <a:xfrm>
+            <a:off x="685800" y="4400550"/>
+            <a:ext cx="5486400" cy="3600450"/>
+          </a:xfrm>
+          <a:prstGeom prst="rect">
+            <a:avLst/>
+          </a:prstGeom>
+        </p:spPr>
+        <p:txBody>
+          <a:bodyPr vert="horz" lIns="91440" tIns="45720" rIns="91440" bIns="45720" rtlCol="0"/>
+          <a:lstStyle/>
+          <a:p>
+            <a:pPr lvl="0"/>
+            <a:r>
+              <a:rPr lang="en-US"/>
+              <a:t>Click to edit Master text styles</a:t>
+            </a:r>
+          </a:p>
+          <a:p>
+            <a:pPr lvl="1"/>
+            <a:r>
+              <a:rPr lang="en-US"/>
+              <a:t>Second level</a:t>
+            </a:r>
+          </a:p>
+          <a:p>
+            <a:pPr lvl="2"/>
+            <a:r>
+              <a:rPr lang="en-US"/>
+              <a:t>Third level</a:t>
+            </a:r>
+          </a:p>
+          <a:p>
+            <a:pPr lvl="3"/>
+            <a:r>
+              <a:rPr lang="en-US"/>
+              <a:t>Fourth level</a:t>
+            </a:r>
+          </a:p>
+          <a:p>
+            <a:pPr lvl="4"/>
+            <a:r>
+              <a:rPr lang="en-US"/>
+              <a:t>Fifth level</a:t>
+            </a:r>
+            <a:endParaRPr lang="LID4096"/>
+          </a:p>
+        </p:txBody>
+      </p:sp>
+      <p:sp>
+        <p:nvSpPr>
+          <p:cNvPr id="6" name="Footer Placeholder 5"/>
+          <p:cNvSpPr>
+            <a:spLocks noGrp="1"/>
+          </p:cNvSpPr>
+          <p:nvPr>
+            <p:ph type="ftr" sz="quarter" idx="4"/>
+          </p:nvPr>
+        </p:nvSpPr>
+        <p:spPr>
+          <a:xfrm>
+            <a:off x="0" y="8685213"/>
+            <a:ext cx="2971800" cy="458787"/>
+          </a:xfrm>
+          <a:prstGeom prst="rect">
+            <a:avLst/>
+          </a:prstGeom>
+        </p:spPr>
+        <p:txBody>
+          <a:bodyPr vert="horz" lIns="91440" tIns="45720" rIns="91440" bIns="45720" rtlCol="0" anchor="b"/>
+          <a:lstStyle>
+            <a:lvl1pPr algn="l">
+              <a:defRPr sz="1200"/>
+            </a:lvl1pPr>
+          </a:lstStyle>
+          <a:p>
+            <a:endParaRPr lang="LID4096"/>
+          </a:p>
+        </p:txBody>
+      </p:sp>
+      <p:sp>
+        <p:nvSpPr>
+          <p:cNvPr id="7" name="Slide Number Placeholder 6"/>
+          <p:cNvSpPr>
+            <a:spLocks noGrp="1"/>
+          </p:cNvSpPr>
+          <p:nvPr>
+            <p:ph type="sldNum" sz="quarter" idx="5"/>
+          </p:nvPr>
+        </p:nvSpPr>
+        <p:spPr>
+          <a:xfrm>
+            <a:off x="3884613" y="8685213"/>
+            <a:ext cx="2971800" cy="458787"/>
+          </a:xfrm>
+          <a:prstGeom prst="rect">
+            <a:avLst/>
+          </a:prstGeom>
+        </p:spPr>
+        <p:txBody>
+          <a:bodyPr vert="horz" lIns="91440" tIns="45720" rIns="91440" bIns="45720" rtlCol="0" anchor="b"/>
+          <a:lstStyle>
+            <a:lvl1pPr algn="r">
+              <a:defRPr sz="1200"/>
+            </a:lvl1pPr>
+          </a:lstStyle>
+          <a:p>
+            <a:fld id="{C4CDB637-76C6-47EA-A133-8E275C66C9CF}" type="slidenum">
+              <a:rPr lang="LID4096" smtClean="0"/>
+              <a:t>‹#›</a:t>
+            </a:fld>
+            <a:endParaRPr lang="LID4096"/>
+          </a:p>
+        </p:txBody>
+      </p:sp>
+    </p:spTree>
+    <p:extLst>
+      <p:ext uri="{BB962C8B-B14F-4D97-AF65-F5344CB8AC3E}">
+        <p14:creationId xmlns:p14="http://schemas.microsoft.com/office/powerpoint/2010/main" val="3971316773"/>
+      </p:ext>
+    </p:extLst>
+  </p:cSld>
+  <p:clrMap bg1="lt1" tx1="dk1" bg2="lt2" tx2="dk2" accent1="accent1" accent2="accent2" accent3="accent3" accent4="accent4" accent5="accent5" accent6="accent6" hlink="hlink" folHlink="folHlink"/>
+  <p:notesStyle>
+    <a:lvl1pPr marL="0" algn="l" defTabSz="914400" rtl="0" eaLnBrk="1" latinLnBrk="0" hangingPunct="1">
+      <a:defRPr sz="1200" kern="1200">
+        <a:solidFill>
+          <a:schemeClr val="tx1"/>
+        </a:solidFill>
+        <a:latin typeface="+mn-lt"/>
+        <a:ea typeface="+mn-ea"/>
+        <a:cs typeface="+mn-cs"/>
+      </a:defRPr>
+    </a:lvl1pPr>
+    <a:lvl2pPr marL="457200" algn="l" defTabSz="914400" rtl="0" eaLnBrk="1" latinLnBrk="0" hangingPunct="1">
+      <a:defRPr sz="1200" kern="1200">
+        <a:solidFill>
+          <a:schemeClr val="tx1"/>
+        </a:solidFill>
+        <a:latin typeface="+mn-lt"/>
+        <a:ea typeface="+mn-ea"/>
+        <a:cs typeface="+mn-cs"/>
+      </a:defRPr>
+    </a:lvl2pPr>
+    <a:lvl3pPr marL="914400" algn="l" defTabSz="914400" rtl="0" eaLnBrk="1" latinLnBrk="0" hangingPunct="1">
+      <a:defRPr sz="1200" kern="1200">
+        <a:solidFill>
+          <a:schemeClr val="tx1"/>
+        </a:solidFill>
+        <a:latin typeface="+mn-lt"/>
+        <a:ea typeface="+mn-ea"/>
+        <a:cs typeface="+mn-cs"/>
+      </a:defRPr>
+    </a:lvl3pPr>
+    <a:lvl4pPr marL="1371600" algn="l" defTabSz="914400" rtl="0" eaLnBrk="1" latinLnBrk="0" hangingPunct="1">
+      <a:defRPr sz="1200" kern="1200">
+        <a:solidFill>
+          <a:schemeClr val="tx1"/>
+        </a:solidFill>
+        <a:latin typeface="+mn-lt"/>
+        <a:ea typeface="+mn-ea"/>
+        <a:cs typeface="+mn-cs"/>
+      </a:defRPr>
+    </a:lvl4pPr>
+    <a:lvl5pPr marL="1828800" algn="l" defTabSz="914400" rtl="0" eaLnBrk="1" latinLnBrk="0" hangingPunct="1">
+      <a:defRPr sz="1200" kern="1200">
+        <a:solidFill>
+          <a:schemeClr val="tx1"/>
+        </a:solidFill>
+        <a:latin typeface="+mn-lt"/>
+        <a:ea typeface="+mn-ea"/>
+        <a:cs typeface="+mn-cs"/>
+      </a:defRPr>
+    </a:lvl5pPr>
+    <a:lvl6pPr marL="2286000" algn="l" defTabSz="914400" rtl="0" eaLnBrk="1" latinLnBrk="0" hangingPunct="1">
+      <a:defRPr sz="1200" kern="1200">
+        <a:solidFill>
+          <a:schemeClr val="tx1"/>
+        </a:solidFill>
+        <a:latin typeface="+mn-lt"/>
+        <a:ea typeface="+mn-ea"/>
+        <a:cs typeface="+mn-cs"/>
+      </a:defRPr>
+    </a:lvl6pPr>
+    <a:lvl7pPr marL="2743200" algn="l" defTabSz="914400" rtl="0" eaLnBrk="1" latinLnBrk="0" hangingPunct="1">
+      <a:defRPr sz="1200" kern="1200">
+        <a:solidFill>
+          <a:schemeClr val="tx1"/>
+        </a:solidFill>
+        <a:latin typeface="+mn-lt"/>
+        <a:ea typeface="+mn-ea"/>
+        <a:cs typeface="+mn-cs"/>
+      </a:defRPr>
+    </a:lvl7pPr>
+    <a:lvl8pPr marL="3200400" algn="l" defTabSz="914400" rtl="0" eaLnBrk="1" latinLnBrk="0" hangingPunct="1">
+      <a:defRPr sz="1200" kern="1200">
+        <a:solidFill>
+          <a:schemeClr val="tx1"/>
+        </a:solidFill>
+        <a:latin typeface="+mn-lt"/>
+        <a:ea typeface="+mn-ea"/>
+        <a:cs typeface="+mn-cs"/>
+      </a:defRPr>
+    </a:lvl8pPr>
+    <a:lvl9pPr marL="3657600" algn="l" defTabSz="914400" rtl="0" eaLnBrk="1" latinLnBrk="0" hangingPunct="1">
+      <a:defRPr sz="1200" kern="1200">
+        <a:solidFill>
+          <a:schemeClr val="tx1"/>
+        </a:solidFill>
+        <a:latin typeface="+mn-lt"/>
+        <a:ea typeface="+mn-ea"/>
+        <a:cs typeface="+mn-cs"/>
+      </a:defRPr>
+    </a:lvl9pPr>
+  </p:notesStyle>
+</p:notesMaster>
+</file>
+
+<file path=ppt/notesSlides/notesSlide1.xml><?xml version="1.0" encoding="utf-8"?>
+<p:notes xmlns:a="http://schemas.openxmlformats.org/drawingml/2006/main" xmlns:r="http://schemas.openxmlformats.org/officeDocument/2006/relationships" xmlns:p="http://schemas.openxmlformats.org/presentationml/2006/main">
+  <p:cSld>
+    <p:spTree>
+      <p:nvGrpSpPr>
+        <p:cNvPr id="1" name=""/>
+        <p:cNvGrpSpPr/>
+        <p:nvPr/>
+      </p:nvGrpSpPr>
+      <p:grpSpPr>
+        <a:xfrm>
+          <a:off x="0" y="0"/>
+          <a:ext cx="0" cy="0"/>
+          <a:chOff x="0" y="0"/>
+          <a:chExt cx="0" cy="0"/>
+        </a:xfrm>
+      </p:grpSpPr>
+      <p:sp>
+        <p:nvSpPr>
+          <p:cNvPr id="2" name="Slide Image Placeholder 1"/>
+          <p:cNvSpPr>
+            <a:spLocks noGrp="1" noRot="1" noChangeAspect="1"/>
+          </p:cNvSpPr>
+          <p:nvPr>
+            <p:ph type="sldImg"/>
+          </p:nvPr>
+        </p:nvSpPr>
+        <p:spPr/>
+      </p:sp>
+      <p:sp>
+        <p:nvSpPr>
+          <p:cNvPr id="3" name="Notes Placeholder 2"/>
+          <p:cNvSpPr>
+            <a:spLocks noGrp="1"/>
+          </p:cNvSpPr>
+          <p:nvPr>
+            <p:ph type="body" idx="1"/>
+          </p:nvPr>
+        </p:nvSpPr>
+        <p:spPr/>
+        <p:txBody>
+          <a:bodyPr/>
+          <a:lstStyle/>
+          <a:p>
+            <a:endParaRPr lang="LID4096" dirty="0"/>
+          </a:p>
+        </p:txBody>
+      </p:sp>
+      <p:sp>
+        <p:nvSpPr>
+          <p:cNvPr id="4" name="Slide Number Placeholder 3"/>
+          <p:cNvSpPr>
+            <a:spLocks noGrp="1"/>
+          </p:cNvSpPr>
+          <p:nvPr>
+            <p:ph type="sldNum" sz="quarter" idx="5"/>
+          </p:nvPr>
+        </p:nvSpPr>
+        <p:spPr/>
+        <p:txBody>
+          <a:bodyPr/>
+          <a:lstStyle/>
+          <a:p>
+            <a:fld id="{C4CDB637-76C6-47EA-A133-8E275C66C9CF}" type="slidenum">
+              <a:rPr lang="LID4096" smtClean="0"/>
+              <a:t>1</a:t>
+            </a:fld>
+            <a:endParaRPr lang="LID4096"/>
+          </a:p>
+        </p:txBody>
+      </p:sp>
+    </p:spTree>
+    <p:extLst>
+      <p:ext uri="{BB962C8B-B14F-4D97-AF65-F5344CB8AC3E}">
+        <p14:creationId xmlns:p14="http://schemas.microsoft.com/office/powerpoint/2010/main" val="2779916391"/>
+      </p:ext>
+    </p:extLst>
+  </p:cSld>
+  <p:clrMapOvr>
+    <a:masterClrMapping/>
+  </p:clrMapOvr>
+</p:notes>
+</file>
+
 <file path=ppt/slideLayouts/slideLayout1.xml><?xml version="1.0" encoding="utf-8"?>
 <p:sldLayout xmlns:a="http://schemas.openxmlformats.org/drawingml/2006/main" xmlns:r="http://schemas.openxmlformats.org/officeDocument/2006/relationships" xmlns:p="http://schemas.openxmlformats.org/presentationml/2006/main" type="title" preserve="1">
   <p:cSld name="Titelfolie">
@@ -3450,7 +3887,7 @@
           <a:p>
             <a:fld id="{3D02E3FD-12BA-7742-814D-33626586FA2F}" type="datetimeFigureOut">
               <a:rPr lang="de-DE" smtClean="0"/>
-              <a:t>20.03.23</a:t>
+              <a:t>21.03.2023</a:t>
             </a:fld>
             <a:endParaRPr lang="de-DE"/>
           </a:p>
@@ -3504,7 +3941,7 @@
           <a:p>
             <a:fld id="{402DF622-C966-1447-B4F7-93522E09C5B6}" type="slidenum">
               <a:rPr lang="de-DE" smtClean="0"/>
-              <a:t>‹Nr.›</a:t>
+              <a:t>‹#›</a:t>
             </a:fld>
             <a:endParaRPr lang="de-DE"/>
           </a:p>
@@ -3648,7 +4085,7 @@
           <a:p>
             <a:fld id="{3D02E3FD-12BA-7742-814D-33626586FA2F}" type="datetimeFigureOut">
               <a:rPr lang="de-DE" smtClean="0"/>
-              <a:t>20.03.23</a:t>
+              <a:t>21.03.2023</a:t>
             </a:fld>
             <a:endParaRPr lang="de-DE"/>
           </a:p>
@@ -3702,7 +4139,7 @@
           <a:p>
             <a:fld id="{402DF622-C966-1447-B4F7-93522E09C5B6}" type="slidenum">
               <a:rPr lang="de-DE" smtClean="0"/>
-              <a:t>‹Nr.›</a:t>
+              <a:t>‹#›</a:t>
             </a:fld>
             <a:endParaRPr lang="de-DE"/>
           </a:p>
@@ -3856,7 +4293,7 @@
           <a:p>
             <a:fld id="{3D02E3FD-12BA-7742-814D-33626586FA2F}" type="datetimeFigureOut">
               <a:rPr lang="de-DE" smtClean="0"/>
-              <a:t>20.03.23</a:t>
+              <a:t>21.03.2023</a:t>
             </a:fld>
             <a:endParaRPr lang="de-DE"/>
           </a:p>
@@ -3910,7 +4347,7 @@
           <a:p>
             <a:fld id="{402DF622-C966-1447-B4F7-93522E09C5B6}" type="slidenum">
               <a:rPr lang="de-DE" smtClean="0"/>
-              <a:t>‹Nr.›</a:t>
+              <a:t>‹#›</a:t>
             </a:fld>
             <a:endParaRPr lang="de-DE"/>
           </a:p>
@@ -4054,7 +4491,7 @@
           <a:p>
             <a:fld id="{3D02E3FD-12BA-7742-814D-33626586FA2F}" type="datetimeFigureOut">
               <a:rPr lang="de-DE" smtClean="0"/>
-              <a:t>20.03.23</a:t>
+              <a:t>21.03.2023</a:t>
             </a:fld>
             <a:endParaRPr lang="de-DE"/>
           </a:p>
@@ -4108,7 +4545,7 @@
           <a:p>
             <a:fld id="{402DF622-C966-1447-B4F7-93522E09C5B6}" type="slidenum">
               <a:rPr lang="de-DE" smtClean="0"/>
-              <a:t>‹Nr.›</a:t>
+              <a:t>‹#›</a:t>
             </a:fld>
             <a:endParaRPr lang="de-DE"/>
           </a:p>
@@ -4329,7 +4766,7 @@
           <a:p>
             <a:fld id="{3D02E3FD-12BA-7742-814D-33626586FA2F}" type="datetimeFigureOut">
               <a:rPr lang="de-DE" smtClean="0"/>
-              <a:t>20.03.23</a:t>
+              <a:t>21.03.2023</a:t>
             </a:fld>
             <a:endParaRPr lang="de-DE"/>
           </a:p>
@@ -4383,7 +4820,7 @@
           <a:p>
             <a:fld id="{402DF622-C966-1447-B4F7-93522E09C5B6}" type="slidenum">
               <a:rPr lang="de-DE" smtClean="0"/>
-              <a:t>‹Nr.›</a:t>
+              <a:t>‹#›</a:t>
             </a:fld>
             <a:endParaRPr lang="de-DE"/>
           </a:p>
@@ -4594,7 +5031,7 @@
           <a:p>
             <a:fld id="{3D02E3FD-12BA-7742-814D-33626586FA2F}" type="datetimeFigureOut">
               <a:rPr lang="de-DE" smtClean="0"/>
-              <a:t>20.03.23</a:t>
+              <a:t>21.03.2023</a:t>
             </a:fld>
             <a:endParaRPr lang="de-DE"/>
           </a:p>
@@ -4648,7 +5085,7 @@
           <a:p>
             <a:fld id="{402DF622-C966-1447-B4F7-93522E09C5B6}" type="slidenum">
               <a:rPr lang="de-DE" smtClean="0"/>
-              <a:t>‹Nr.›</a:t>
+              <a:t>‹#›</a:t>
             </a:fld>
             <a:endParaRPr lang="de-DE"/>
           </a:p>
@@ -5006,7 +5443,7 @@
           <a:p>
             <a:fld id="{3D02E3FD-12BA-7742-814D-33626586FA2F}" type="datetimeFigureOut">
               <a:rPr lang="de-DE" smtClean="0"/>
-              <a:t>20.03.23</a:t>
+              <a:t>21.03.2023</a:t>
             </a:fld>
             <a:endParaRPr lang="de-DE"/>
           </a:p>
@@ -5060,7 +5497,7 @@
           <a:p>
             <a:fld id="{402DF622-C966-1447-B4F7-93522E09C5B6}" type="slidenum">
               <a:rPr lang="de-DE" smtClean="0"/>
-              <a:t>‹Nr.›</a:t>
+              <a:t>‹#›</a:t>
             </a:fld>
             <a:endParaRPr lang="de-DE"/>
           </a:p>
@@ -5147,7 +5584,7 @@
           <a:p>
             <a:fld id="{3D02E3FD-12BA-7742-814D-33626586FA2F}" type="datetimeFigureOut">
               <a:rPr lang="de-DE" smtClean="0"/>
-              <a:t>20.03.23</a:t>
+              <a:t>21.03.2023</a:t>
             </a:fld>
             <a:endParaRPr lang="de-DE"/>
           </a:p>
@@ -5201,7 +5638,7 @@
           <a:p>
             <a:fld id="{402DF622-C966-1447-B4F7-93522E09C5B6}" type="slidenum">
               <a:rPr lang="de-DE" smtClean="0"/>
-              <a:t>‹Nr.›</a:t>
+              <a:t>‹#›</a:t>
             </a:fld>
             <a:endParaRPr lang="de-DE"/>
           </a:p>
@@ -5260,7 +5697,7 @@
           <a:p>
             <a:fld id="{3D02E3FD-12BA-7742-814D-33626586FA2F}" type="datetimeFigureOut">
               <a:rPr lang="de-DE" smtClean="0"/>
-              <a:t>20.03.23</a:t>
+              <a:t>21.03.2023</a:t>
             </a:fld>
             <a:endParaRPr lang="de-DE"/>
           </a:p>
@@ -5314,7 +5751,7 @@
           <a:p>
             <a:fld id="{402DF622-C966-1447-B4F7-93522E09C5B6}" type="slidenum">
               <a:rPr lang="de-DE" smtClean="0"/>
-              <a:t>‹Nr.›</a:t>
+              <a:t>‹#›</a:t>
             </a:fld>
             <a:endParaRPr lang="de-DE"/>
           </a:p>
@@ -5571,7 +6008,7 @@
           <a:p>
             <a:fld id="{3D02E3FD-12BA-7742-814D-33626586FA2F}" type="datetimeFigureOut">
               <a:rPr lang="de-DE" smtClean="0"/>
-              <a:t>20.03.23</a:t>
+              <a:t>21.03.2023</a:t>
             </a:fld>
             <a:endParaRPr lang="de-DE"/>
           </a:p>
@@ -5625,7 +6062,7 @@
           <a:p>
             <a:fld id="{402DF622-C966-1447-B4F7-93522E09C5B6}" type="slidenum">
               <a:rPr lang="de-DE" smtClean="0"/>
-              <a:t>‹Nr.›</a:t>
+              <a:t>‹#›</a:t>
             </a:fld>
             <a:endParaRPr lang="de-DE"/>
           </a:p>
@@ -5859,7 +6296,7 @@
           <a:p>
             <a:fld id="{3D02E3FD-12BA-7742-814D-33626586FA2F}" type="datetimeFigureOut">
               <a:rPr lang="de-DE" smtClean="0"/>
-              <a:t>20.03.23</a:t>
+              <a:t>21.03.2023</a:t>
             </a:fld>
             <a:endParaRPr lang="de-DE"/>
           </a:p>
@@ -5913,7 +6350,7 @@
           <a:p>
             <a:fld id="{402DF622-C966-1447-B4F7-93522E09C5B6}" type="slidenum">
               <a:rPr lang="de-DE" smtClean="0"/>
-              <a:t>‹Nr.›</a:t>
+              <a:t>‹#›</a:t>
             </a:fld>
             <a:endParaRPr lang="de-DE"/>
           </a:p>
@@ -6100,7 +6537,7 @@
           <a:p>
             <a:fld id="{3D02E3FD-12BA-7742-814D-33626586FA2F}" type="datetimeFigureOut">
               <a:rPr lang="de-DE" smtClean="0"/>
-              <a:t>20.03.23</a:t>
+              <a:t>21.03.2023</a:t>
             </a:fld>
             <a:endParaRPr lang="de-DE"/>
           </a:p>
@@ -6190,7 +6627,7 @@
           <a:p>
             <a:fld id="{402DF622-C966-1447-B4F7-93522E09C5B6}" type="slidenum">
               <a:rPr lang="de-DE" smtClean="0"/>
-              <a:t>‹Nr.›</a:t>
+              <a:t>‹#›</a:t>
             </a:fld>
             <a:endParaRPr lang="de-DE"/>
           </a:p>
@@ -6604,7 +7041,7 @@
         <p:spPr>
           <a:xfrm>
             <a:off x="1113810" y="2960716"/>
-            <a:ext cx="4036334" cy="2387600"/>
+            <a:ext cx="4036334" cy="839556"/>
           </a:xfrm>
         </p:spPr>
         <p:txBody>
@@ -6615,9 +7052,10 @@
           <a:p>
             <a:pPr algn="l"/>
             <a:r>
-              <a:rPr lang="de-DE" sz="5400"/>
+              <a:rPr lang="de-DE" sz="5400" dirty="0" err="1"/>
               <a:t>SaveUp</a:t>
             </a:r>
+            <a:endParaRPr lang="de-DE" sz="5400" dirty="0"/>
           </a:p>
         </p:txBody>
       </p:sp>
@@ -7017,10 +7455,10 @@
           <p:nvPr/>
         </p:nvPicPr>
         <p:blipFill>
-          <a:blip r:embed="rId2">
+          <a:blip r:embed="rId3">
             <a:extLst>
               <a:ext uri="{96DAC541-7B7A-43D3-8B79-37D633B846F1}">
-                <asvg:svgBlip xmlns:asvg="http://schemas.microsoft.com/office/drawing/2016/SVG/main" r:embed="rId3"/>
+                <asvg:svgBlip xmlns:asvg="http://schemas.microsoft.com/office/drawing/2016/SVG/main" r:embed="rId4"/>
               </a:ext>
             </a:extLst>
           </a:blip>
@@ -7038,6 +7476,42 @@
           </a:prstGeom>
         </p:spPr>
       </p:pic>
+      <p:sp>
+        <p:nvSpPr>
+          <p:cNvPr id="4" name="TextBox 3">
+            <a:extLst>
+              <a:ext uri="{FF2B5EF4-FFF2-40B4-BE49-F238E27FC236}">
+                <a16:creationId xmlns:a16="http://schemas.microsoft.com/office/drawing/2014/main" id="{B3060A4E-DFBB-4D92-FC03-D54901367697}"/>
+              </a:ext>
+            </a:extLst>
+          </p:cNvPr>
+          <p:cNvSpPr txBox="1"/>
+          <p:nvPr/>
+        </p:nvSpPr>
+        <p:spPr>
+          <a:xfrm>
+            <a:off x="1113809" y="3977640"/>
+            <a:ext cx="2626821" cy="646331"/>
+          </a:xfrm>
+          <a:prstGeom prst="rect">
+            <a:avLst/>
+          </a:prstGeom>
+          <a:noFill/>
+        </p:spPr>
+        <p:txBody>
+          <a:bodyPr wrap="square" rtlCol="0">
+            <a:spAutoFit/>
+          </a:bodyPr>
+          <a:lstStyle/>
+          <a:p>
+            <a:r>
+              <a:rPr lang="de-CH" dirty="0"/>
+              <a:t>Ein Sparprogramm für alle!</a:t>
+            </a:r>
+            <a:endParaRPr lang="LID4096" dirty="0"/>
+          </a:p>
+        </p:txBody>
+      </p:sp>
     </p:spTree>
     <p:extLst>
       <p:ext uri="{BB962C8B-B14F-4D97-AF65-F5344CB8AC3E}">
@@ -7822,7 +8296,7 @@
             </a:pPr>
             <a:r>
               <a:rPr lang="de-CH" dirty="0"/>
-              <a:t>Spart weiter</a:t>
+              <a:t>Fangt an zu Sparen!</a:t>
             </a:r>
           </a:p>
           <a:p>
@@ -11315,9 +11789,12 @@
           </a:p>
           <a:p>
             <a:r>
-              <a:rPr lang="de-DE" sz="2400"/>
-              <a:t>Löschansicht Verbessern</a:t>
+              <a:rPr lang="de-DE" sz="2400" dirty="0" err="1"/>
+              <a:t>Logging</a:t>
             </a:r>
+            <a:endParaRPr lang="de-DE" sz="2400" dirty="0"/>
+          </a:p>
+          <a:p>
             <a:endParaRPr lang="de-DE" sz="2400" dirty="0"/>
           </a:p>
           <a:p>
@@ -12025,4 +12502,299 @@
     </a:ext>
   </a:extLst>
 </a:theme>
+</file>
+
+<file path=ppt/theme/theme2.xml><?xml version="1.0" encoding="utf-8"?>
+<a:theme xmlns:a="http://schemas.openxmlformats.org/drawingml/2006/main" name="Office Theme">
+  <a:themeElements>
+    <a:clrScheme name="Office">
+      <a:dk1>
+        <a:sysClr val="windowText" lastClr="000000"/>
+      </a:dk1>
+      <a:lt1>
+        <a:sysClr val="window" lastClr="FFFFFF"/>
+      </a:lt1>
+      <a:dk2>
+        <a:srgbClr val="44546A"/>
+      </a:dk2>
+      <a:lt2>
+        <a:srgbClr val="E7E6E6"/>
+      </a:lt2>
+      <a:accent1>
+        <a:srgbClr val="4472C4"/>
+      </a:accent1>
+      <a:accent2>
+        <a:srgbClr val="ED7D31"/>
+      </a:accent2>
+      <a:accent3>
+        <a:srgbClr val="A5A5A5"/>
+      </a:accent3>
+      <a:accent4>
+        <a:srgbClr val="FFC000"/>
+      </a:accent4>
+      <a:accent5>
+        <a:srgbClr val="5B9BD5"/>
+      </a:accent5>
+      <a:accent6>
+        <a:srgbClr val="70AD47"/>
+      </a:accent6>
+      <a:hlink>
+        <a:srgbClr val="0563C1"/>
+      </a:hlink>
+      <a:folHlink>
+        <a:srgbClr val="954F72"/>
+      </a:folHlink>
+    </a:clrScheme>
+    <a:fontScheme name="Office">
+      <a:majorFont>
+        <a:latin typeface="Calibri Light" panose="020F0302020204030204"/>
+        <a:ea typeface=""/>
+        <a:cs typeface=""/>
+        <a:font script="Jpan" typeface="游ゴシック Light"/>
+        <a:font script="Hang" typeface="맑은 고딕"/>
+        <a:font script="Hans" typeface="等线 Light"/>
+        <a:font script="Hant" typeface="新細明體"/>
+        <a:font script="Arab" typeface="Times New Roman"/>
+        <a:font script="Hebr" typeface="Times New Roman"/>
+        <a:font script="Thai" typeface="Angsana New"/>
+        <a:font script="Ethi" typeface="Nyala"/>
+        <a:font script="Beng" typeface="Vrinda"/>
+        <a:font script="Gujr" typeface="Shruti"/>
+        <a:font script="Khmr" typeface="MoolBoran"/>
+        <a:font script="Knda" typeface="Tunga"/>
+        <a:font script="Guru" typeface="Raavi"/>
+        <a:font script="Cans" typeface="Euphemia"/>
+        <a:font script="Cher" typeface="Plantagenet Cherokee"/>
+        <a:font script="Yiii" typeface="Microsoft Yi Baiti"/>
+        <a:font script="Tibt" typeface="Microsoft Himalaya"/>
+        <a:font script="Thaa" typeface="MV Boli"/>
+        <a:font script="Deva" typeface="Mangal"/>
+        <a:font script="Telu" typeface="Gautami"/>
+        <a:font script="Taml" typeface="Latha"/>
+        <a:font script="Syrc" typeface="Estrangelo Edessa"/>
+        <a:font script="Orya" typeface="Kalinga"/>
+        <a:font script="Mlym" typeface="Kartika"/>
+        <a:font script="Laoo" typeface="DokChampa"/>
+        <a:font script="Sinh" typeface="Iskoola Pota"/>
+        <a:font script="Mong" typeface="Mongolian Baiti"/>
+        <a:font script="Viet" typeface="Times New Roman"/>
+        <a:font script="Uigh" typeface="Microsoft Uighur"/>
+        <a:font script="Geor" typeface="Sylfaen"/>
+        <a:font script="Armn" typeface="Arial"/>
+        <a:font script="Bugi" typeface="Leelawadee UI"/>
+        <a:font script="Bopo" typeface="Microsoft JhengHei"/>
+        <a:font script="Java" typeface="Javanese Text"/>
+        <a:font script="Lisu" typeface="Segoe UI"/>
+        <a:font script="Mymr" typeface="Myanmar Text"/>
+        <a:font script="Nkoo" typeface="Ebrima"/>
+        <a:font script="Olck" typeface="Nirmala UI"/>
+        <a:font script="Osma" typeface="Ebrima"/>
+        <a:font script="Phag" typeface="Phagspa"/>
+        <a:font script="Syrn" typeface="Estrangelo Edessa"/>
+        <a:font script="Syrj" typeface="Estrangelo Edessa"/>
+        <a:font script="Syre" typeface="Estrangelo Edessa"/>
+        <a:font script="Sora" typeface="Nirmala UI"/>
+        <a:font script="Tale" typeface="Microsoft Tai Le"/>
+        <a:font script="Talu" typeface="Microsoft New Tai Lue"/>
+        <a:font script="Tfng" typeface="Ebrima"/>
+      </a:majorFont>
+      <a:minorFont>
+        <a:latin typeface="Calibri" panose="020F0502020204030204"/>
+        <a:ea typeface=""/>
+        <a:cs typeface=""/>
+        <a:font script="Jpan" typeface="游ゴシック"/>
+        <a:font script="Hang" typeface="맑은 고딕"/>
+        <a:font script="Hans" typeface="等线"/>
+        <a:font script="Hant" typeface="新細明體"/>
+        <a:font script="Arab" typeface="Arial"/>
+        <a:font script="Hebr" typeface="Arial"/>
+        <a:font script="Thai" typeface="Cordia New"/>
+        <a:font script="Ethi" typeface="Nyala"/>
+        <a:font script="Beng" typeface="Vrinda"/>
+        <a:font script="Gujr" typeface="Shruti"/>
+        <a:font script="Khmr" typeface="DaunPenh"/>
+        <a:font script="Knda" typeface="Tunga"/>
+        <a:font script="Guru" typeface="Raavi"/>
+        <a:font script="Cans" typeface="Euphemia"/>
+        <a:font script="Cher" typeface="Plantagenet Cherokee"/>
+        <a:font script="Yiii" typeface="Microsoft Yi Baiti"/>
+        <a:font script="Tibt" typeface="Microsoft Himalaya"/>
+        <a:font script="Thaa" typeface="MV Boli"/>
+        <a:font script="Deva" typeface="Mangal"/>
+        <a:font script="Telu" typeface="Gautami"/>
+        <a:font script="Taml" typeface="Latha"/>
+        <a:font script="Syrc" typeface="Estrangelo Edessa"/>
+        <a:font script="Orya" typeface="Kalinga"/>
+        <a:font script="Mlym" typeface="Kartika"/>
+        <a:font script="Laoo" typeface="DokChampa"/>
+        <a:font script="Sinh" typeface="Iskoola Pota"/>
+        <a:font script="Mong" typeface="Mongolian Baiti"/>
+        <a:font script="Viet" typeface="Arial"/>
+        <a:font script="Uigh" typeface="Microsoft Uighur"/>
+        <a:font script="Geor" typeface="Sylfaen"/>
+        <a:font script="Armn" typeface="Arial"/>
+        <a:font script="Bugi" typeface="Leelawadee UI"/>
+        <a:font script="Bopo" typeface="Microsoft JhengHei"/>
+        <a:font script="Java" typeface="Javanese Text"/>
+        <a:font script="Lisu" typeface="Segoe UI"/>
+        <a:font script="Mymr" typeface="Myanmar Text"/>
+        <a:font script="Nkoo" typeface="Ebrima"/>
+        <a:font script="Olck" typeface="Nirmala UI"/>
+        <a:font script="Osma" typeface="Ebrima"/>
+        <a:font script="Phag" typeface="Phagspa"/>
+        <a:font script="Syrn" typeface="Estrangelo Edessa"/>
+        <a:font script="Syrj" typeface="Estrangelo Edessa"/>
+        <a:font script="Syre" typeface="Estrangelo Edessa"/>
+        <a:font script="Sora" typeface="Nirmala UI"/>
+        <a:font script="Tale" typeface="Microsoft Tai Le"/>
+        <a:font script="Talu" typeface="Microsoft New Tai Lue"/>
+        <a:font script="Tfng" typeface="Ebrima"/>
+      </a:minorFont>
+    </a:fontScheme>
+    <a:fmtScheme name="Office">
+      <a:fillStyleLst>
+        <a:solidFill>
+          <a:schemeClr val="phClr"/>
+        </a:solidFill>
+        <a:gradFill rotWithShape="1">
+          <a:gsLst>
+            <a:gs pos="0">
+              <a:schemeClr val="phClr">
+                <a:lumMod val="110000"/>
+                <a:satMod val="105000"/>
+                <a:tint val="67000"/>
+              </a:schemeClr>
+            </a:gs>
+            <a:gs pos="50000">
+              <a:schemeClr val="phClr">
+                <a:lumMod val="105000"/>
+                <a:satMod val="103000"/>
+                <a:tint val="73000"/>
+              </a:schemeClr>
+            </a:gs>
+            <a:gs pos="100000">
+              <a:schemeClr val="phClr">
+                <a:lumMod val="105000"/>
+                <a:satMod val="109000"/>
+                <a:tint val="81000"/>
+              </a:schemeClr>
+            </a:gs>
+          </a:gsLst>
+          <a:lin ang="5400000" scaled="0"/>
+        </a:gradFill>
+        <a:gradFill rotWithShape="1">
+          <a:gsLst>
+            <a:gs pos="0">
+              <a:schemeClr val="phClr">
+                <a:satMod val="103000"/>
+                <a:lumMod val="102000"/>
+                <a:tint val="94000"/>
+              </a:schemeClr>
+            </a:gs>
+            <a:gs pos="50000">
+              <a:schemeClr val="phClr">
+                <a:satMod val="110000"/>
+                <a:lumMod val="100000"/>
+                <a:shade val="100000"/>
+              </a:schemeClr>
+            </a:gs>
+            <a:gs pos="100000">
+              <a:schemeClr val="phClr">
+                <a:lumMod val="99000"/>
+                <a:satMod val="120000"/>
+                <a:shade val="78000"/>
+              </a:schemeClr>
+            </a:gs>
+          </a:gsLst>
+          <a:lin ang="5400000" scaled="0"/>
+        </a:gradFill>
+      </a:fillStyleLst>
+      <a:lnStyleLst>
+        <a:ln w="6350" cap="flat" cmpd="sng" algn="ctr">
+          <a:solidFill>
+            <a:schemeClr val="phClr"/>
+          </a:solidFill>
+          <a:prstDash val="solid"/>
+          <a:miter lim="800000"/>
+        </a:ln>
+        <a:ln w="12700" cap="flat" cmpd="sng" algn="ctr">
+          <a:solidFill>
+            <a:schemeClr val="phClr"/>
+          </a:solidFill>
+          <a:prstDash val="solid"/>
+          <a:miter lim="800000"/>
+        </a:ln>
+        <a:ln w="19050" cap="flat" cmpd="sng" algn="ctr">
+          <a:solidFill>
+            <a:schemeClr val="phClr"/>
+          </a:solidFill>
+          <a:prstDash val="solid"/>
+          <a:miter lim="800000"/>
+        </a:ln>
+      </a:lnStyleLst>
+      <a:effectStyleLst>
+        <a:effectStyle>
+          <a:effectLst/>
+        </a:effectStyle>
+        <a:effectStyle>
+          <a:effectLst/>
+        </a:effectStyle>
+        <a:effectStyle>
+          <a:effectLst>
+            <a:outerShdw blurRad="57150" dist="19050" dir="5400000" algn="ctr" rotWithShape="0">
+              <a:srgbClr val="000000">
+                <a:alpha val="63000"/>
+              </a:srgbClr>
+            </a:outerShdw>
+          </a:effectLst>
+        </a:effectStyle>
+      </a:effectStyleLst>
+      <a:bgFillStyleLst>
+        <a:solidFill>
+          <a:schemeClr val="phClr"/>
+        </a:solidFill>
+        <a:solidFill>
+          <a:schemeClr val="phClr">
+            <a:tint val="95000"/>
+            <a:satMod val="170000"/>
+          </a:schemeClr>
+        </a:solidFill>
+        <a:gradFill rotWithShape="1">
+          <a:gsLst>
+            <a:gs pos="0">
+              <a:schemeClr val="phClr">
+                <a:tint val="93000"/>
+                <a:satMod val="150000"/>
+                <a:shade val="98000"/>
+                <a:lumMod val="102000"/>
+              </a:schemeClr>
+            </a:gs>
+            <a:gs pos="50000">
+              <a:schemeClr val="phClr">
+                <a:tint val="98000"/>
+                <a:satMod val="130000"/>
+                <a:shade val="90000"/>
+                <a:lumMod val="103000"/>
+              </a:schemeClr>
+            </a:gs>
+            <a:gs pos="100000">
+              <a:schemeClr val="phClr">
+                <a:shade val="63000"/>
+                <a:satMod val="120000"/>
+              </a:schemeClr>
+            </a:gs>
+          </a:gsLst>
+          <a:lin ang="5400000" scaled="0"/>
+        </a:gradFill>
+      </a:bgFillStyleLst>
+    </a:fmtScheme>
+  </a:themeElements>
+  <a:objectDefaults/>
+  <a:extraClrSchemeLst/>
+  <a:extLst>
+    <a:ext uri="{05A4C25C-085E-4340-85A3-A5531E510DB2}">
+      <thm15:themeFamily xmlns:thm15="http://schemas.microsoft.com/office/thememl/2012/main" name="Office Theme" id="{62F939B6-93AF-4DB8-9C6B-D6C7DFDC589F}" vid="{4A3C46E8-61CC-4603-A589-7422A47A8E4A}"/>
+    </a:ext>
+  </a:extLst>
+</a:theme>
 </file>
--- a/docs/Präsentation.pptx
+++ b/docs/Präsentation.pptx
@@ -3388,7 +3388,7 @@
           <a:p>
             <a:fld id="{D29637C8-44C3-4DA3-99E6-4A5651A2E6F5}" type="datetimeFigureOut">
               <a:rPr lang="LID4096" smtClean="0"/>
-              <a:t>03/21/2023</a:t>
+              <a:t>03/31/2023</a:t>
             </a:fld>
             <a:endParaRPr lang="LID4096"/>
           </a:p>
@@ -3740,6 +3740,90 @@
 </p:notes>
 </file>
 
+<file path=ppt/notesSlides/notesSlide2.xml><?xml version="1.0" encoding="utf-8"?>
+<p:notes xmlns:a="http://schemas.openxmlformats.org/drawingml/2006/main" xmlns:r="http://schemas.openxmlformats.org/officeDocument/2006/relationships" xmlns:p="http://schemas.openxmlformats.org/presentationml/2006/main">
+  <p:cSld>
+    <p:spTree>
+      <p:nvGrpSpPr>
+        <p:cNvPr id="1" name=""/>
+        <p:cNvGrpSpPr/>
+        <p:nvPr/>
+      </p:nvGrpSpPr>
+      <p:grpSpPr>
+        <a:xfrm>
+          <a:off x="0" y="0"/>
+          <a:ext cx="0" cy="0"/>
+          <a:chOff x="0" y="0"/>
+          <a:chExt cx="0" cy="0"/>
+        </a:xfrm>
+      </p:grpSpPr>
+      <p:sp>
+        <p:nvSpPr>
+          <p:cNvPr id="2" name="Slide Image Placeholder 1"/>
+          <p:cNvSpPr>
+            <a:spLocks noGrp="1" noRot="1" noChangeAspect="1"/>
+          </p:cNvSpPr>
+          <p:nvPr>
+            <p:ph type="sldImg"/>
+          </p:nvPr>
+        </p:nvSpPr>
+        <p:spPr/>
+      </p:sp>
+      <p:sp>
+        <p:nvSpPr>
+          <p:cNvPr id="3" name="Notes Placeholder 2"/>
+          <p:cNvSpPr>
+            <a:spLocks noGrp="1"/>
+          </p:cNvSpPr>
+          <p:nvPr>
+            <p:ph type="body" idx="1"/>
+          </p:nvPr>
+        </p:nvSpPr>
+        <p:spPr/>
+        <p:txBody>
+          <a:bodyPr/>
+          <a:lstStyle/>
+          <a:p>
+            <a:endParaRPr lang="LID4096" dirty="0"/>
+          </a:p>
+        </p:txBody>
+      </p:sp>
+      <p:sp>
+        <p:nvSpPr>
+          <p:cNvPr id="4" name="Slide Number Placeholder 3"/>
+          <p:cNvSpPr>
+            <a:spLocks noGrp="1"/>
+          </p:cNvSpPr>
+          <p:nvPr>
+            <p:ph type="sldNum" sz="quarter" idx="5"/>
+          </p:nvPr>
+        </p:nvSpPr>
+        <p:spPr/>
+        <p:txBody>
+          <a:bodyPr/>
+          <a:lstStyle/>
+          <a:p>
+            <a:fld id="{C4CDB637-76C6-47EA-A133-8E275C66C9CF}" type="slidenum">
+              <a:rPr lang="LID4096" smtClean="0"/>
+              <a:t>10</a:t>
+            </a:fld>
+            <a:endParaRPr lang="LID4096"/>
+          </a:p>
+        </p:txBody>
+      </p:sp>
+    </p:spTree>
+    <p:extLst>
+      <p:ext uri="{BB962C8B-B14F-4D97-AF65-F5344CB8AC3E}">
+        <p14:creationId xmlns:p14="http://schemas.microsoft.com/office/powerpoint/2010/main" val="1484166328"/>
+      </p:ext>
+    </p:extLst>
+  </p:cSld>
+  <p:clrMapOvr>
+    <a:masterClrMapping/>
+  </p:clrMapOvr>
+</p:notes>
+</file>
+
 <file path=ppt/slideLayouts/slideLayout1.xml><?xml version="1.0" encoding="utf-8"?>
 <p:sldLayout xmlns:a="http://schemas.openxmlformats.org/drawingml/2006/main" xmlns:r="http://schemas.openxmlformats.org/officeDocument/2006/relationships" xmlns:p="http://schemas.openxmlformats.org/presentationml/2006/main" type="title" preserve="1">
   <p:cSld name="Titelfolie">
@@ -3887,7 +3971,7 @@
           <a:p>
             <a:fld id="{3D02E3FD-12BA-7742-814D-33626586FA2F}" type="datetimeFigureOut">
               <a:rPr lang="de-DE" smtClean="0"/>
-              <a:t>21.03.2023</a:t>
+              <a:t>31.03.2023</a:t>
             </a:fld>
             <a:endParaRPr lang="de-DE"/>
           </a:p>
@@ -4085,7 +4169,7 @@
           <a:p>
             <a:fld id="{3D02E3FD-12BA-7742-814D-33626586FA2F}" type="datetimeFigureOut">
               <a:rPr lang="de-DE" smtClean="0"/>
-              <a:t>21.03.2023</a:t>
+              <a:t>31.03.2023</a:t>
             </a:fld>
             <a:endParaRPr lang="de-DE"/>
           </a:p>
@@ -4293,7 +4377,7 @@
           <a:p>
             <a:fld id="{3D02E3FD-12BA-7742-814D-33626586FA2F}" type="datetimeFigureOut">
               <a:rPr lang="de-DE" smtClean="0"/>
-              <a:t>21.03.2023</a:t>
+              <a:t>31.03.2023</a:t>
             </a:fld>
             <a:endParaRPr lang="de-DE"/>
           </a:p>
@@ -4491,7 +4575,7 @@
           <a:p>
             <a:fld id="{3D02E3FD-12BA-7742-814D-33626586FA2F}" type="datetimeFigureOut">
               <a:rPr lang="de-DE" smtClean="0"/>
-              <a:t>21.03.2023</a:t>
+              <a:t>31.03.2023</a:t>
             </a:fld>
             <a:endParaRPr lang="de-DE"/>
           </a:p>
@@ -4766,7 +4850,7 @@
           <a:p>
             <a:fld id="{3D02E3FD-12BA-7742-814D-33626586FA2F}" type="datetimeFigureOut">
               <a:rPr lang="de-DE" smtClean="0"/>
-              <a:t>21.03.2023</a:t>
+              <a:t>31.03.2023</a:t>
             </a:fld>
             <a:endParaRPr lang="de-DE"/>
           </a:p>
@@ -5031,7 +5115,7 @@
           <a:p>
             <a:fld id="{3D02E3FD-12BA-7742-814D-33626586FA2F}" type="datetimeFigureOut">
               <a:rPr lang="de-DE" smtClean="0"/>
-              <a:t>21.03.2023</a:t>
+              <a:t>31.03.2023</a:t>
             </a:fld>
             <a:endParaRPr lang="de-DE"/>
           </a:p>
@@ -5443,7 +5527,7 @@
           <a:p>
             <a:fld id="{3D02E3FD-12BA-7742-814D-33626586FA2F}" type="datetimeFigureOut">
               <a:rPr lang="de-DE" smtClean="0"/>
-              <a:t>21.03.2023</a:t>
+              <a:t>31.03.2023</a:t>
             </a:fld>
             <a:endParaRPr lang="de-DE"/>
           </a:p>
@@ -5584,7 +5668,7 @@
           <a:p>
             <a:fld id="{3D02E3FD-12BA-7742-814D-33626586FA2F}" type="datetimeFigureOut">
               <a:rPr lang="de-DE" smtClean="0"/>
-              <a:t>21.03.2023</a:t>
+              <a:t>31.03.2023</a:t>
             </a:fld>
             <a:endParaRPr lang="de-DE"/>
           </a:p>
@@ -5697,7 +5781,7 @@
           <a:p>
             <a:fld id="{3D02E3FD-12BA-7742-814D-33626586FA2F}" type="datetimeFigureOut">
               <a:rPr lang="de-DE" smtClean="0"/>
-              <a:t>21.03.2023</a:t>
+              <a:t>31.03.2023</a:t>
             </a:fld>
             <a:endParaRPr lang="de-DE"/>
           </a:p>
@@ -6008,7 +6092,7 @@
           <a:p>
             <a:fld id="{3D02E3FD-12BA-7742-814D-33626586FA2F}" type="datetimeFigureOut">
               <a:rPr lang="de-DE" smtClean="0"/>
-              <a:t>21.03.2023</a:t>
+              <a:t>31.03.2023</a:t>
             </a:fld>
             <a:endParaRPr lang="de-DE"/>
           </a:p>
@@ -6296,7 +6380,7 @@
           <a:p>
             <a:fld id="{3D02E3FD-12BA-7742-814D-33626586FA2F}" type="datetimeFigureOut">
               <a:rPr lang="de-DE" smtClean="0"/>
-              <a:t>21.03.2023</a:t>
+              <a:t>31.03.2023</a:t>
             </a:fld>
             <a:endParaRPr lang="de-DE"/>
           </a:p>
@@ -6537,7 +6621,7 @@
           <a:p>
             <a:fld id="{3D02E3FD-12BA-7742-814D-33626586FA2F}" type="datetimeFigureOut">
               <a:rPr lang="de-DE" smtClean="0"/>
-              <a:t>21.03.2023</a:t>
+              <a:t>31.03.2023</a:t>
             </a:fld>
             <a:endParaRPr lang="de-DE"/>
           </a:p>
@@ -7909,7 +7993,7 @@
           </p:nvPr>
         </p:nvPicPr>
         <p:blipFill rotWithShape="1">
-          <a:blip r:embed="rId4"/>
+          <a:blip r:embed="rId5"/>
           <a:srcRect r="34713"/>
           <a:stretch/>
         </p:blipFill>
@@ -8173,10 +8257,10 @@
           <p:nvPr/>
         </p:nvPicPr>
         <p:blipFill>
-          <a:blip r:embed="rId5">
+          <a:blip r:embed="rId6">
             <a:extLst>
               <a:ext uri="{96DAC541-7B7A-43D3-8B79-37D633B846F1}">
-                <asvg:svgBlip xmlns:asvg="http://schemas.microsoft.com/office/drawing/2016/SVG/main" r:embed="rId6"/>
+                <asvg:svgBlip xmlns:asvg="http://schemas.microsoft.com/office/drawing/2016/SVG/main" r:embed="rId7"/>
               </a:ext>
             </a:extLst>
           </a:blip>
